--- a/ProjectDocuments/week1/BaoCaoTuan1.pptx
+++ b/ProjectDocuments/week1/BaoCaoTuan1.pptx
@@ -18,6 +18,7 @@
     <p:sldId id="266" r:id="rId12"/>
     <p:sldId id="267" r:id="rId13"/>
     <p:sldId id="265" r:id="rId14"/>
+    <p:sldId id="269" r:id="rId15"/>
   </p:sldIdLst>
   <p:sldSz cx="12192000" cy="6858000"/>
   <p:notesSz cx="6858000" cy="9144000"/>
@@ -116,6 +117,11 @@
       </a:defRPr>
     </a:lvl9pPr>
   </p:defaultTextStyle>
+  <p:extLst>
+    <p:ext uri="{EFAFB233-063F-42B5-8137-9DF3F51BA10A}">
+      <p15:sldGuideLst xmlns:p15="http://schemas.microsoft.com/office/powerpoint/2012/main"/>
+    </p:ext>
+  </p:extLst>
 </p:presentation>
 </file>
 
@@ -3364,2801 +3370,6 @@
       <dsp:cNvGrpSpPr/>
     </dsp:nvGrpSpPr>
     <dsp:grpSpPr/>
-    <dsp:sp modelId="{009C7BF7-9D0D-4029-BC90-36167811C23D}">
-      <dsp:nvSpPr>
-        <dsp:cNvPr id="0" name=""/>
-        <dsp:cNvSpPr/>
-      </dsp:nvSpPr>
-      <dsp:spPr>
-        <a:xfrm>
-          <a:off x="7091638" y="1568589"/>
-          <a:ext cx="91440" cy="769517"/>
-        </a:xfrm>
-        <a:custGeom>
-          <a:avLst/>
-          <a:gdLst/>
-          <a:ahLst/>
-          <a:cxnLst/>
-          <a:rect l="0" t="0" r="0" b="0"/>
-          <a:pathLst>
-            <a:path>
-              <a:moveTo>
-                <a:pt x="45720" y="0"/>
-              </a:moveTo>
-              <a:lnTo>
-                <a:pt x="45720" y="769517"/>
-              </a:lnTo>
-              <a:lnTo>
-                <a:pt x="135904" y="769517"/>
-              </a:lnTo>
-            </a:path>
-          </a:pathLst>
-        </a:custGeom>
-        <a:noFill/>
-        <a:ln w="12700" cap="flat" cmpd="sng" algn="ctr">
-          <a:solidFill>
-            <a:schemeClr val="accent1">
-              <a:shade val="80000"/>
-              <a:hueOff val="0"/>
-              <a:satOff val="0"/>
-              <a:lumOff val="0"/>
-              <a:alphaOff val="0"/>
-            </a:schemeClr>
-          </a:solidFill>
-          <a:prstDash val="solid"/>
-          <a:miter lim="800000"/>
-        </a:ln>
-        <a:effectLst/>
-      </dsp:spPr>
-      <dsp:style>
-        <a:lnRef idx="2">
-          <a:scrgbClr r="0" g="0" b="0"/>
-        </a:lnRef>
-        <a:fillRef idx="0">
-          <a:scrgbClr r="0" g="0" b="0"/>
-        </a:fillRef>
-        <a:effectRef idx="0">
-          <a:scrgbClr r="0" g="0" b="0"/>
-        </a:effectRef>
-        <a:fontRef idx="minor"/>
-      </dsp:style>
-    </dsp:sp>
-    <dsp:sp modelId="{4FFE0E2C-977E-42E0-B3D0-0A35B0263A92}">
-      <dsp:nvSpPr>
-        <dsp:cNvPr id="0" name=""/>
-        <dsp:cNvSpPr/>
-      </dsp:nvSpPr>
-      <dsp:spPr>
-        <a:xfrm>
-          <a:off x="7091638" y="1568589"/>
-          <a:ext cx="91440" cy="294364"/>
-        </a:xfrm>
-        <a:custGeom>
-          <a:avLst/>
-          <a:gdLst/>
-          <a:ahLst/>
-          <a:cxnLst/>
-          <a:rect l="0" t="0" r="0" b="0"/>
-          <a:pathLst>
-            <a:path>
-              <a:moveTo>
-                <a:pt x="45720" y="0"/>
-              </a:moveTo>
-              <a:lnTo>
-                <a:pt x="45720" y="294364"/>
-              </a:lnTo>
-              <a:lnTo>
-                <a:pt x="135904" y="294364"/>
-              </a:lnTo>
-            </a:path>
-          </a:pathLst>
-        </a:custGeom>
-        <a:noFill/>
-        <a:ln w="12700" cap="flat" cmpd="sng" algn="ctr">
-          <a:solidFill>
-            <a:schemeClr val="accent1">
-              <a:shade val="80000"/>
-              <a:hueOff val="0"/>
-              <a:satOff val="0"/>
-              <a:lumOff val="0"/>
-              <a:alphaOff val="0"/>
-            </a:schemeClr>
-          </a:solidFill>
-          <a:prstDash val="solid"/>
-          <a:miter lim="800000"/>
-        </a:ln>
-        <a:effectLst/>
-      </dsp:spPr>
-      <dsp:style>
-        <a:lnRef idx="2">
-          <a:scrgbClr r="0" g="0" b="0"/>
-        </a:lnRef>
-        <a:fillRef idx="0">
-          <a:scrgbClr r="0" g="0" b="0"/>
-        </a:fillRef>
-        <a:effectRef idx="0">
-          <a:scrgbClr r="0" g="0" b="0"/>
-        </a:effectRef>
-        <a:fontRef idx="minor"/>
-      </dsp:style>
-    </dsp:sp>
-    <dsp:sp modelId="{E3ACCED4-B822-443F-AD18-621D7ABDA0D2}">
-      <dsp:nvSpPr>
-        <dsp:cNvPr id="0" name=""/>
-        <dsp:cNvSpPr/>
-      </dsp:nvSpPr>
-      <dsp:spPr>
-        <a:xfrm>
-          <a:off x="6663330" y="1114583"/>
-          <a:ext cx="91440" cy="251641"/>
-        </a:xfrm>
-        <a:custGeom>
-          <a:avLst/>
-          <a:gdLst/>
-          <a:ahLst/>
-          <a:cxnLst/>
-          <a:rect l="0" t="0" r="0" b="0"/>
-          <a:pathLst>
-            <a:path>
-              <a:moveTo>
-                <a:pt x="45720" y="0"/>
-              </a:moveTo>
-              <a:lnTo>
-                <a:pt x="45720" y="251641"/>
-              </a:lnTo>
-              <a:lnTo>
-                <a:pt x="125322" y="251641"/>
-              </a:lnTo>
-            </a:path>
-          </a:pathLst>
-        </a:custGeom>
-        <a:noFill/>
-        <a:ln w="12700" cap="flat" cmpd="sng" algn="ctr">
-          <a:solidFill>
-            <a:schemeClr val="accent1">
-              <a:shade val="60000"/>
-              <a:hueOff val="0"/>
-              <a:satOff val="0"/>
-              <a:lumOff val="0"/>
-              <a:alphaOff val="0"/>
-            </a:schemeClr>
-          </a:solidFill>
-          <a:prstDash val="solid"/>
-          <a:miter lim="800000"/>
-        </a:ln>
-        <a:effectLst/>
-      </dsp:spPr>
-      <dsp:style>
-        <a:lnRef idx="2">
-          <a:scrgbClr r="0" g="0" b="0"/>
-        </a:lnRef>
-        <a:fillRef idx="0">
-          <a:scrgbClr r="0" g="0" b="0"/>
-        </a:fillRef>
-        <a:effectRef idx="0">
-          <a:scrgbClr r="0" g="0" b="0"/>
-        </a:effectRef>
-        <a:fontRef idx="minor"/>
-      </dsp:style>
-    </dsp:sp>
-    <dsp:sp modelId="{D45B89E3-17AA-4F58-9596-BD4D1D0B3503}">
-      <dsp:nvSpPr>
-        <dsp:cNvPr id="0" name=""/>
-        <dsp:cNvSpPr/>
-      </dsp:nvSpPr>
-      <dsp:spPr>
-        <a:xfrm>
-          <a:off x="5931952" y="2175663"/>
-          <a:ext cx="128641" cy="1062722"/>
-        </a:xfrm>
-        <a:custGeom>
-          <a:avLst/>
-          <a:gdLst/>
-          <a:ahLst/>
-          <a:cxnLst/>
-          <a:rect l="0" t="0" r="0" b="0"/>
-          <a:pathLst>
-            <a:path>
-              <a:moveTo>
-                <a:pt x="0" y="0"/>
-              </a:moveTo>
-              <a:lnTo>
-                <a:pt x="0" y="1062722"/>
-              </a:lnTo>
-              <a:lnTo>
-                <a:pt x="128641" y="1062722"/>
-              </a:lnTo>
-            </a:path>
-          </a:pathLst>
-        </a:custGeom>
-        <a:noFill/>
-        <a:ln w="12700" cap="flat" cmpd="sng" algn="ctr">
-          <a:solidFill>
-            <a:schemeClr val="accent1">
-              <a:shade val="80000"/>
-              <a:hueOff val="0"/>
-              <a:satOff val="0"/>
-              <a:lumOff val="0"/>
-              <a:alphaOff val="0"/>
-            </a:schemeClr>
-          </a:solidFill>
-          <a:prstDash val="solid"/>
-          <a:miter lim="800000"/>
-        </a:ln>
-        <a:effectLst/>
-      </dsp:spPr>
-      <dsp:style>
-        <a:lnRef idx="2">
-          <a:scrgbClr r="0" g="0" b="0"/>
-        </a:lnRef>
-        <a:fillRef idx="0">
-          <a:scrgbClr r="0" g="0" b="0"/>
-        </a:fillRef>
-        <a:effectRef idx="0">
-          <a:scrgbClr r="0" g="0" b="0"/>
-        </a:effectRef>
-        <a:fontRef idx="minor"/>
-      </dsp:style>
-    </dsp:sp>
-    <dsp:sp modelId="{1F0CF824-ACA0-4776-82A1-24F3F014DAC1}">
-      <dsp:nvSpPr>
-        <dsp:cNvPr id="0" name=""/>
-        <dsp:cNvSpPr/>
-      </dsp:nvSpPr>
-      <dsp:spPr>
-        <a:xfrm>
-          <a:off x="5931952" y="2175663"/>
-          <a:ext cx="128641" cy="377669"/>
-        </a:xfrm>
-        <a:custGeom>
-          <a:avLst/>
-          <a:gdLst/>
-          <a:ahLst/>
-          <a:cxnLst/>
-          <a:rect l="0" t="0" r="0" b="0"/>
-          <a:pathLst>
-            <a:path>
-              <a:moveTo>
-                <a:pt x="0" y="0"/>
-              </a:moveTo>
-              <a:lnTo>
-                <a:pt x="0" y="377669"/>
-              </a:lnTo>
-              <a:lnTo>
-                <a:pt x="128641" y="377669"/>
-              </a:lnTo>
-            </a:path>
-          </a:pathLst>
-        </a:custGeom>
-        <a:noFill/>
-        <a:ln w="12700" cap="flat" cmpd="sng" algn="ctr">
-          <a:solidFill>
-            <a:schemeClr val="accent1">
-              <a:shade val="80000"/>
-              <a:hueOff val="0"/>
-              <a:satOff val="0"/>
-              <a:lumOff val="0"/>
-              <a:alphaOff val="0"/>
-            </a:schemeClr>
-          </a:solidFill>
-          <a:prstDash val="solid"/>
-          <a:miter lim="800000"/>
-        </a:ln>
-        <a:effectLst/>
-      </dsp:spPr>
-      <dsp:style>
-        <a:lnRef idx="2">
-          <a:scrgbClr r="0" g="0" b="0"/>
-        </a:lnRef>
-        <a:fillRef idx="0">
-          <a:scrgbClr r="0" g="0" b="0"/>
-        </a:fillRef>
-        <a:effectRef idx="0">
-          <a:scrgbClr r="0" g="0" b="0"/>
-        </a:effectRef>
-        <a:fontRef idx="minor"/>
-      </dsp:style>
-    </dsp:sp>
-    <dsp:sp modelId="{6E242A64-8240-448A-8C8E-3C31E17666CB}">
-      <dsp:nvSpPr>
-        <dsp:cNvPr id="0" name=""/>
-        <dsp:cNvSpPr/>
-      </dsp:nvSpPr>
-      <dsp:spPr>
-        <a:xfrm>
-          <a:off x="4485252" y="1628427"/>
-          <a:ext cx="1789744" cy="142505"/>
-        </a:xfrm>
-        <a:custGeom>
-          <a:avLst/>
-          <a:gdLst/>
-          <a:ahLst/>
-          <a:cxnLst/>
-          <a:rect l="0" t="0" r="0" b="0"/>
-          <a:pathLst>
-            <a:path>
-              <a:moveTo>
-                <a:pt x="0" y="0"/>
-              </a:moveTo>
-              <a:lnTo>
-                <a:pt x="0" y="107294"/>
-              </a:lnTo>
-              <a:lnTo>
-                <a:pt x="1789744" y="107294"/>
-              </a:lnTo>
-              <a:lnTo>
-                <a:pt x="1789744" y="142505"/>
-              </a:lnTo>
-            </a:path>
-          </a:pathLst>
-        </a:custGeom>
-        <a:noFill/>
-        <a:ln w="12700" cap="flat" cmpd="sng" algn="ctr">
-          <a:solidFill>
-            <a:schemeClr val="accent1">
-              <a:shade val="80000"/>
-              <a:hueOff val="0"/>
-              <a:satOff val="0"/>
-              <a:lumOff val="0"/>
-              <a:alphaOff val="0"/>
-            </a:schemeClr>
-          </a:solidFill>
-          <a:prstDash val="solid"/>
-          <a:miter lim="800000"/>
-        </a:ln>
-        <a:effectLst/>
-      </dsp:spPr>
-      <dsp:style>
-        <a:lnRef idx="2">
-          <a:scrgbClr r="0" g="0" b="0"/>
-        </a:lnRef>
-        <a:fillRef idx="0">
-          <a:scrgbClr r="0" g="0" b="0"/>
-        </a:fillRef>
-        <a:effectRef idx="0">
-          <a:scrgbClr r="0" g="0" b="0"/>
-        </a:effectRef>
-        <a:fontRef idx="minor"/>
-      </dsp:style>
-    </dsp:sp>
-    <dsp:sp modelId="{553A476C-A2BC-4361-ACF8-78A564493AA7}">
-      <dsp:nvSpPr>
-        <dsp:cNvPr id="0" name=""/>
-        <dsp:cNvSpPr/>
-      </dsp:nvSpPr>
-      <dsp:spPr>
-        <a:xfrm>
-          <a:off x="5150086" y="2175663"/>
-          <a:ext cx="104280" cy="1062722"/>
-        </a:xfrm>
-        <a:custGeom>
-          <a:avLst/>
-          <a:gdLst/>
-          <a:ahLst/>
-          <a:cxnLst/>
-          <a:rect l="0" t="0" r="0" b="0"/>
-          <a:pathLst>
-            <a:path>
-              <a:moveTo>
-                <a:pt x="0" y="0"/>
-              </a:moveTo>
-              <a:lnTo>
-                <a:pt x="0" y="1062722"/>
-              </a:lnTo>
-              <a:lnTo>
-                <a:pt x="104280" y="1062722"/>
-              </a:lnTo>
-            </a:path>
-          </a:pathLst>
-        </a:custGeom>
-        <a:noFill/>
-        <a:ln w="12700" cap="flat" cmpd="sng" algn="ctr">
-          <a:solidFill>
-            <a:schemeClr val="accent1">
-              <a:shade val="80000"/>
-              <a:hueOff val="0"/>
-              <a:satOff val="0"/>
-              <a:lumOff val="0"/>
-              <a:alphaOff val="0"/>
-            </a:schemeClr>
-          </a:solidFill>
-          <a:prstDash val="solid"/>
-          <a:miter lim="800000"/>
-        </a:ln>
-        <a:effectLst/>
-      </dsp:spPr>
-      <dsp:style>
-        <a:lnRef idx="2">
-          <a:scrgbClr r="0" g="0" b="0"/>
-        </a:lnRef>
-        <a:fillRef idx="0">
-          <a:scrgbClr r="0" g="0" b="0"/>
-        </a:fillRef>
-        <a:effectRef idx="0">
-          <a:scrgbClr r="0" g="0" b="0"/>
-        </a:effectRef>
-        <a:fontRef idx="minor"/>
-      </dsp:style>
-    </dsp:sp>
-    <dsp:sp modelId="{A3DD4F86-BE27-4994-873F-886C7C2F1471}">
-      <dsp:nvSpPr>
-        <dsp:cNvPr id="0" name=""/>
-        <dsp:cNvSpPr/>
-      </dsp:nvSpPr>
-      <dsp:spPr>
-        <a:xfrm>
-          <a:off x="5150086" y="2175663"/>
-          <a:ext cx="104280" cy="377669"/>
-        </a:xfrm>
-        <a:custGeom>
-          <a:avLst/>
-          <a:gdLst/>
-          <a:ahLst/>
-          <a:cxnLst/>
-          <a:rect l="0" t="0" r="0" b="0"/>
-          <a:pathLst>
-            <a:path>
-              <a:moveTo>
-                <a:pt x="0" y="0"/>
-              </a:moveTo>
-              <a:lnTo>
-                <a:pt x="0" y="377669"/>
-              </a:lnTo>
-              <a:lnTo>
-                <a:pt x="104280" y="377669"/>
-              </a:lnTo>
-            </a:path>
-          </a:pathLst>
-        </a:custGeom>
-        <a:noFill/>
-        <a:ln w="12700" cap="flat" cmpd="sng" algn="ctr">
-          <a:solidFill>
-            <a:schemeClr val="accent1">
-              <a:shade val="80000"/>
-              <a:hueOff val="0"/>
-              <a:satOff val="0"/>
-              <a:lumOff val="0"/>
-              <a:alphaOff val="0"/>
-            </a:schemeClr>
-          </a:solidFill>
-          <a:prstDash val="solid"/>
-          <a:miter lim="800000"/>
-        </a:ln>
-        <a:effectLst/>
-      </dsp:spPr>
-      <dsp:style>
-        <a:lnRef idx="2">
-          <a:scrgbClr r="0" g="0" b="0"/>
-        </a:lnRef>
-        <a:fillRef idx="0">
-          <a:scrgbClr r="0" g="0" b="0"/>
-        </a:fillRef>
-        <a:effectRef idx="0">
-          <a:scrgbClr r="0" g="0" b="0"/>
-        </a:effectRef>
-        <a:fontRef idx="minor"/>
-      </dsp:style>
-    </dsp:sp>
-    <dsp:sp modelId="{6B085FA9-6B4B-4131-861B-D444FC28D5F6}">
-      <dsp:nvSpPr>
-        <dsp:cNvPr id="0" name=""/>
-        <dsp:cNvSpPr/>
-      </dsp:nvSpPr>
-      <dsp:spPr>
-        <a:xfrm>
-          <a:off x="4485252" y="1628427"/>
-          <a:ext cx="942914" cy="142505"/>
-        </a:xfrm>
-        <a:custGeom>
-          <a:avLst/>
-          <a:gdLst/>
-          <a:ahLst/>
-          <a:cxnLst/>
-          <a:rect l="0" t="0" r="0" b="0"/>
-          <a:pathLst>
-            <a:path>
-              <a:moveTo>
-                <a:pt x="0" y="0"/>
-              </a:moveTo>
-              <a:lnTo>
-                <a:pt x="0" y="107294"/>
-              </a:lnTo>
-              <a:lnTo>
-                <a:pt x="942914" y="107294"/>
-              </a:lnTo>
-              <a:lnTo>
-                <a:pt x="942914" y="142505"/>
-              </a:lnTo>
-            </a:path>
-          </a:pathLst>
-        </a:custGeom>
-        <a:noFill/>
-        <a:ln w="12700" cap="flat" cmpd="sng" algn="ctr">
-          <a:solidFill>
-            <a:schemeClr val="accent1">
-              <a:shade val="80000"/>
-              <a:hueOff val="0"/>
-              <a:satOff val="0"/>
-              <a:lumOff val="0"/>
-              <a:alphaOff val="0"/>
-            </a:schemeClr>
-          </a:solidFill>
-          <a:prstDash val="solid"/>
-          <a:miter lim="800000"/>
-        </a:ln>
-        <a:effectLst/>
-      </dsp:spPr>
-      <dsp:style>
-        <a:lnRef idx="2">
-          <a:scrgbClr r="0" g="0" b="0"/>
-        </a:lnRef>
-        <a:fillRef idx="0">
-          <a:scrgbClr r="0" g="0" b="0"/>
-        </a:fillRef>
-        <a:effectRef idx="0">
-          <a:scrgbClr r="0" g="0" b="0"/>
-        </a:effectRef>
-        <a:fontRef idx="minor"/>
-      </dsp:style>
-    </dsp:sp>
-    <dsp:sp modelId="{7DF2068A-93D1-460A-8D99-BFF1211CED83}">
-      <dsp:nvSpPr>
-        <dsp:cNvPr id="0" name=""/>
-        <dsp:cNvSpPr/>
-      </dsp:nvSpPr>
-      <dsp:spPr>
-        <a:xfrm>
-          <a:off x="4250232" y="2175663"/>
-          <a:ext cx="126651" cy="1062722"/>
-        </a:xfrm>
-        <a:custGeom>
-          <a:avLst/>
-          <a:gdLst/>
-          <a:ahLst/>
-          <a:cxnLst/>
-          <a:rect l="0" t="0" r="0" b="0"/>
-          <a:pathLst>
-            <a:path>
-              <a:moveTo>
-                <a:pt x="0" y="0"/>
-              </a:moveTo>
-              <a:lnTo>
-                <a:pt x="0" y="1062722"/>
-              </a:lnTo>
-              <a:lnTo>
-                <a:pt x="126651" y="1062722"/>
-              </a:lnTo>
-            </a:path>
-          </a:pathLst>
-        </a:custGeom>
-        <a:noFill/>
-        <a:ln w="12700" cap="flat" cmpd="sng" algn="ctr">
-          <a:solidFill>
-            <a:schemeClr val="accent1">
-              <a:shade val="80000"/>
-              <a:hueOff val="0"/>
-              <a:satOff val="0"/>
-              <a:lumOff val="0"/>
-              <a:alphaOff val="0"/>
-            </a:schemeClr>
-          </a:solidFill>
-          <a:prstDash val="solid"/>
-          <a:miter lim="800000"/>
-        </a:ln>
-        <a:effectLst/>
-      </dsp:spPr>
-      <dsp:style>
-        <a:lnRef idx="2">
-          <a:scrgbClr r="0" g="0" b="0"/>
-        </a:lnRef>
-        <a:fillRef idx="0">
-          <a:scrgbClr r="0" g="0" b="0"/>
-        </a:fillRef>
-        <a:effectRef idx="0">
-          <a:scrgbClr r="0" g="0" b="0"/>
-        </a:effectRef>
-        <a:fontRef idx="minor"/>
-      </dsp:style>
-    </dsp:sp>
-    <dsp:sp modelId="{485AE890-B34C-4D9F-A3AA-A892600F5E3B}">
-      <dsp:nvSpPr>
-        <dsp:cNvPr id="0" name=""/>
-        <dsp:cNvSpPr/>
-      </dsp:nvSpPr>
-      <dsp:spPr>
-        <a:xfrm>
-          <a:off x="4250232" y="2175663"/>
-          <a:ext cx="126651" cy="377669"/>
-        </a:xfrm>
-        <a:custGeom>
-          <a:avLst/>
-          <a:gdLst/>
-          <a:ahLst/>
-          <a:cxnLst/>
-          <a:rect l="0" t="0" r="0" b="0"/>
-          <a:pathLst>
-            <a:path>
-              <a:moveTo>
-                <a:pt x="0" y="0"/>
-              </a:moveTo>
-              <a:lnTo>
-                <a:pt x="0" y="377669"/>
-              </a:lnTo>
-              <a:lnTo>
-                <a:pt x="126651" y="377669"/>
-              </a:lnTo>
-            </a:path>
-          </a:pathLst>
-        </a:custGeom>
-        <a:noFill/>
-        <a:ln w="12700" cap="flat" cmpd="sng" algn="ctr">
-          <a:solidFill>
-            <a:schemeClr val="accent1">
-              <a:shade val="80000"/>
-              <a:hueOff val="0"/>
-              <a:satOff val="0"/>
-              <a:lumOff val="0"/>
-              <a:alphaOff val="0"/>
-            </a:schemeClr>
-          </a:solidFill>
-          <a:prstDash val="solid"/>
-          <a:miter lim="800000"/>
-        </a:ln>
-        <a:effectLst/>
-      </dsp:spPr>
-      <dsp:style>
-        <a:lnRef idx="2">
-          <a:scrgbClr r="0" g="0" b="0"/>
-        </a:lnRef>
-        <a:fillRef idx="0">
-          <a:scrgbClr r="0" g="0" b="0"/>
-        </a:fillRef>
-        <a:effectRef idx="0">
-          <a:scrgbClr r="0" g="0" b="0"/>
-        </a:effectRef>
-        <a:fontRef idx="minor"/>
-      </dsp:style>
-    </dsp:sp>
-    <dsp:sp modelId="{A26018B7-7966-49A5-A1C3-C54C069E3886}">
-      <dsp:nvSpPr>
-        <dsp:cNvPr id="0" name=""/>
-        <dsp:cNvSpPr/>
-      </dsp:nvSpPr>
-      <dsp:spPr>
-        <a:xfrm>
-          <a:off x="4485252" y="1628427"/>
-          <a:ext cx="102717" cy="142505"/>
-        </a:xfrm>
-        <a:custGeom>
-          <a:avLst/>
-          <a:gdLst/>
-          <a:ahLst/>
-          <a:cxnLst/>
-          <a:rect l="0" t="0" r="0" b="0"/>
-          <a:pathLst>
-            <a:path>
-              <a:moveTo>
-                <a:pt x="0" y="0"/>
-              </a:moveTo>
-              <a:lnTo>
-                <a:pt x="0" y="107294"/>
-              </a:lnTo>
-              <a:lnTo>
-                <a:pt x="102717" y="107294"/>
-              </a:lnTo>
-              <a:lnTo>
-                <a:pt x="102717" y="142505"/>
-              </a:lnTo>
-            </a:path>
-          </a:pathLst>
-        </a:custGeom>
-        <a:noFill/>
-        <a:ln w="12700" cap="flat" cmpd="sng" algn="ctr">
-          <a:solidFill>
-            <a:schemeClr val="accent1">
-              <a:shade val="80000"/>
-              <a:hueOff val="0"/>
-              <a:satOff val="0"/>
-              <a:lumOff val="0"/>
-              <a:alphaOff val="0"/>
-            </a:schemeClr>
-          </a:solidFill>
-          <a:prstDash val="solid"/>
-          <a:miter lim="800000"/>
-        </a:ln>
-        <a:effectLst/>
-      </dsp:spPr>
-      <dsp:style>
-        <a:lnRef idx="2">
-          <a:scrgbClr r="0" g="0" b="0"/>
-        </a:lnRef>
-        <a:fillRef idx="0">
-          <a:scrgbClr r="0" g="0" b="0"/>
-        </a:fillRef>
-        <a:effectRef idx="0">
-          <a:scrgbClr r="0" g="0" b="0"/>
-        </a:effectRef>
-        <a:fontRef idx="minor"/>
-      </dsp:style>
-    </dsp:sp>
-    <dsp:sp modelId="{DB7C4B31-A401-4554-AFE5-8F9F3C187E05}">
-      <dsp:nvSpPr>
-        <dsp:cNvPr id="0" name=""/>
-        <dsp:cNvSpPr/>
-      </dsp:nvSpPr>
-      <dsp:spPr>
-        <a:xfrm>
-          <a:off x="3186474" y="2175663"/>
-          <a:ext cx="151483" cy="1867792"/>
-        </a:xfrm>
-        <a:custGeom>
-          <a:avLst/>
-          <a:gdLst/>
-          <a:ahLst/>
-          <a:cxnLst/>
-          <a:rect l="0" t="0" r="0" b="0"/>
-          <a:pathLst>
-            <a:path>
-              <a:moveTo>
-                <a:pt x="0" y="0"/>
-              </a:moveTo>
-              <a:lnTo>
-                <a:pt x="0" y="1867792"/>
-              </a:lnTo>
-              <a:lnTo>
-                <a:pt x="151483" y="1867792"/>
-              </a:lnTo>
-            </a:path>
-          </a:pathLst>
-        </a:custGeom>
-        <a:noFill/>
-        <a:ln w="12700" cap="flat" cmpd="sng" algn="ctr">
-          <a:solidFill>
-            <a:schemeClr val="accent1">
-              <a:shade val="80000"/>
-              <a:hueOff val="0"/>
-              <a:satOff val="0"/>
-              <a:lumOff val="0"/>
-              <a:alphaOff val="0"/>
-            </a:schemeClr>
-          </a:solidFill>
-          <a:prstDash val="solid"/>
-          <a:miter lim="800000"/>
-        </a:ln>
-        <a:effectLst/>
-      </dsp:spPr>
-      <dsp:style>
-        <a:lnRef idx="2">
-          <a:scrgbClr r="0" g="0" b="0"/>
-        </a:lnRef>
-        <a:fillRef idx="0">
-          <a:scrgbClr r="0" g="0" b="0"/>
-        </a:fillRef>
-        <a:effectRef idx="0">
-          <a:scrgbClr r="0" g="0" b="0"/>
-        </a:effectRef>
-        <a:fontRef idx="minor"/>
-      </dsp:style>
-    </dsp:sp>
-    <dsp:sp modelId="{F09594A0-1BFF-4C72-B918-46EBCB0FCCD0}">
-      <dsp:nvSpPr>
-        <dsp:cNvPr id="0" name=""/>
-        <dsp:cNvSpPr/>
-      </dsp:nvSpPr>
-      <dsp:spPr>
-        <a:xfrm>
-          <a:off x="3186474" y="2175663"/>
-          <a:ext cx="151483" cy="1182739"/>
-        </a:xfrm>
-        <a:custGeom>
-          <a:avLst/>
-          <a:gdLst/>
-          <a:ahLst/>
-          <a:cxnLst/>
-          <a:rect l="0" t="0" r="0" b="0"/>
-          <a:pathLst>
-            <a:path>
-              <a:moveTo>
-                <a:pt x="0" y="0"/>
-              </a:moveTo>
-              <a:lnTo>
-                <a:pt x="0" y="1182739"/>
-              </a:lnTo>
-              <a:lnTo>
-                <a:pt x="151483" y="1182739"/>
-              </a:lnTo>
-            </a:path>
-          </a:pathLst>
-        </a:custGeom>
-        <a:noFill/>
-        <a:ln w="12700" cap="flat" cmpd="sng" algn="ctr">
-          <a:solidFill>
-            <a:schemeClr val="accent1">
-              <a:shade val="80000"/>
-              <a:hueOff val="0"/>
-              <a:satOff val="0"/>
-              <a:lumOff val="0"/>
-              <a:alphaOff val="0"/>
-            </a:schemeClr>
-          </a:solidFill>
-          <a:prstDash val="solid"/>
-          <a:miter lim="800000"/>
-        </a:ln>
-        <a:effectLst/>
-      </dsp:spPr>
-      <dsp:style>
-        <a:lnRef idx="2">
-          <a:scrgbClr r="0" g="0" b="0"/>
-        </a:lnRef>
-        <a:fillRef idx="0">
-          <a:scrgbClr r="0" g="0" b="0"/>
-        </a:fillRef>
-        <a:effectRef idx="0">
-          <a:scrgbClr r="0" g="0" b="0"/>
-        </a:effectRef>
-        <a:fontRef idx="minor"/>
-      </dsp:style>
-    </dsp:sp>
-    <dsp:sp modelId="{485E1F24-630B-4DBB-B018-5A3106E0AE40}">
-      <dsp:nvSpPr>
-        <dsp:cNvPr id="0" name=""/>
-        <dsp:cNvSpPr/>
-      </dsp:nvSpPr>
-      <dsp:spPr>
-        <a:xfrm>
-          <a:off x="3186474" y="2175663"/>
-          <a:ext cx="151483" cy="437678"/>
-        </a:xfrm>
-        <a:custGeom>
-          <a:avLst/>
-          <a:gdLst/>
-          <a:ahLst/>
-          <a:cxnLst/>
-          <a:rect l="0" t="0" r="0" b="0"/>
-          <a:pathLst>
-            <a:path>
-              <a:moveTo>
-                <a:pt x="0" y="0"/>
-              </a:moveTo>
-              <a:lnTo>
-                <a:pt x="0" y="437678"/>
-              </a:lnTo>
-              <a:lnTo>
-                <a:pt x="151483" y="437678"/>
-              </a:lnTo>
-            </a:path>
-          </a:pathLst>
-        </a:custGeom>
-        <a:noFill/>
-        <a:ln w="12700" cap="flat" cmpd="sng" algn="ctr">
-          <a:solidFill>
-            <a:schemeClr val="accent1">
-              <a:shade val="80000"/>
-              <a:hueOff val="0"/>
-              <a:satOff val="0"/>
-              <a:lumOff val="0"/>
-              <a:alphaOff val="0"/>
-            </a:schemeClr>
-          </a:solidFill>
-          <a:prstDash val="solid"/>
-          <a:miter lim="800000"/>
-        </a:ln>
-        <a:effectLst/>
-      </dsp:spPr>
-      <dsp:style>
-        <a:lnRef idx="2">
-          <a:scrgbClr r="0" g="0" b="0"/>
-        </a:lnRef>
-        <a:fillRef idx="0">
-          <a:scrgbClr r="0" g="0" b="0"/>
-        </a:fillRef>
-        <a:effectRef idx="0">
-          <a:scrgbClr r="0" g="0" b="0"/>
-        </a:effectRef>
-        <a:fontRef idx="minor"/>
-      </dsp:style>
-    </dsp:sp>
-    <dsp:sp modelId="{297CDB0E-0E17-4646-9001-0DEE60028990}">
-      <dsp:nvSpPr>
-        <dsp:cNvPr id="0" name=""/>
-        <dsp:cNvSpPr/>
-      </dsp:nvSpPr>
-      <dsp:spPr>
-        <a:xfrm>
-          <a:off x="3590429" y="1628427"/>
-          <a:ext cx="894822" cy="142505"/>
-        </a:xfrm>
-        <a:custGeom>
-          <a:avLst/>
-          <a:gdLst/>
-          <a:ahLst/>
-          <a:cxnLst/>
-          <a:rect l="0" t="0" r="0" b="0"/>
-          <a:pathLst>
-            <a:path>
-              <a:moveTo>
-                <a:pt x="894822" y="0"/>
-              </a:moveTo>
-              <a:lnTo>
-                <a:pt x="894822" y="107294"/>
-              </a:lnTo>
-              <a:lnTo>
-                <a:pt x="0" y="107294"/>
-              </a:lnTo>
-              <a:lnTo>
-                <a:pt x="0" y="142505"/>
-              </a:lnTo>
-            </a:path>
-          </a:pathLst>
-        </a:custGeom>
-        <a:noFill/>
-        <a:ln w="12700" cap="flat" cmpd="sng" algn="ctr">
-          <a:solidFill>
-            <a:schemeClr val="accent1">
-              <a:shade val="80000"/>
-              <a:hueOff val="0"/>
-              <a:satOff val="0"/>
-              <a:lumOff val="0"/>
-              <a:alphaOff val="0"/>
-            </a:schemeClr>
-          </a:solidFill>
-          <a:prstDash val="solid"/>
-          <a:miter lim="800000"/>
-        </a:ln>
-        <a:effectLst/>
-      </dsp:spPr>
-      <dsp:style>
-        <a:lnRef idx="2">
-          <a:scrgbClr r="0" g="0" b="0"/>
-        </a:lnRef>
-        <a:fillRef idx="0">
-          <a:scrgbClr r="0" g="0" b="0"/>
-        </a:fillRef>
-        <a:effectRef idx="0">
-          <a:scrgbClr r="0" g="0" b="0"/>
-        </a:effectRef>
-        <a:fontRef idx="minor"/>
-      </dsp:style>
-    </dsp:sp>
-    <dsp:sp modelId="{25559BD5-7E08-4B45-A943-769974C4E422}">
-      <dsp:nvSpPr>
-        <dsp:cNvPr id="0" name=""/>
-        <dsp:cNvSpPr/>
-      </dsp:nvSpPr>
-      <dsp:spPr>
-        <a:xfrm>
-          <a:off x="2341537" y="2175267"/>
-          <a:ext cx="112254" cy="1462901"/>
-        </a:xfrm>
-        <a:custGeom>
-          <a:avLst/>
-          <a:gdLst/>
-          <a:ahLst/>
-          <a:cxnLst/>
-          <a:rect l="0" t="0" r="0" b="0"/>
-          <a:pathLst>
-            <a:path>
-              <a:moveTo>
-                <a:pt x="0" y="0"/>
-              </a:moveTo>
-              <a:lnTo>
-                <a:pt x="0" y="1462901"/>
-              </a:lnTo>
-              <a:lnTo>
-                <a:pt x="112254" y="1462901"/>
-              </a:lnTo>
-            </a:path>
-          </a:pathLst>
-        </a:custGeom>
-        <a:noFill/>
-        <a:ln w="12700" cap="flat" cmpd="sng" algn="ctr">
-          <a:solidFill>
-            <a:schemeClr val="accent1">
-              <a:shade val="80000"/>
-              <a:hueOff val="0"/>
-              <a:satOff val="0"/>
-              <a:lumOff val="0"/>
-              <a:alphaOff val="0"/>
-            </a:schemeClr>
-          </a:solidFill>
-          <a:prstDash val="solid"/>
-          <a:miter lim="800000"/>
-        </a:ln>
-        <a:effectLst/>
-      </dsp:spPr>
-      <dsp:style>
-        <a:lnRef idx="2">
-          <a:scrgbClr r="0" g="0" b="0"/>
-        </a:lnRef>
-        <a:fillRef idx="0">
-          <a:scrgbClr r="0" g="0" b="0"/>
-        </a:fillRef>
-        <a:effectRef idx="0">
-          <a:scrgbClr r="0" g="0" b="0"/>
-        </a:effectRef>
-        <a:fontRef idx="minor"/>
-      </dsp:style>
-    </dsp:sp>
-    <dsp:sp modelId="{735B02B4-1311-4C0D-AEF6-AB897A5FEE4D}">
-      <dsp:nvSpPr>
-        <dsp:cNvPr id="0" name=""/>
-        <dsp:cNvSpPr/>
-      </dsp:nvSpPr>
-      <dsp:spPr>
-        <a:xfrm>
-          <a:off x="2341537" y="2175267"/>
-          <a:ext cx="112254" cy="551442"/>
-        </a:xfrm>
-        <a:custGeom>
-          <a:avLst/>
-          <a:gdLst/>
-          <a:ahLst/>
-          <a:cxnLst/>
-          <a:rect l="0" t="0" r="0" b="0"/>
-          <a:pathLst>
-            <a:path>
-              <a:moveTo>
-                <a:pt x="0" y="0"/>
-              </a:moveTo>
-              <a:lnTo>
-                <a:pt x="0" y="551442"/>
-              </a:lnTo>
-              <a:lnTo>
-                <a:pt x="112254" y="551442"/>
-              </a:lnTo>
-            </a:path>
-          </a:pathLst>
-        </a:custGeom>
-        <a:noFill/>
-        <a:ln w="12700" cap="flat" cmpd="sng" algn="ctr">
-          <a:solidFill>
-            <a:schemeClr val="accent1">
-              <a:shade val="80000"/>
-              <a:hueOff val="0"/>
-              <a:satOff val="0"/>
-              <a:lumOff val="0"/>
-              <a:alphaOff val="0"/>
-            </a:schemeClr>
-          </a:solidFill>
-          <a:prstDash val="solid"/>
-          <a:miter lim="800000"/>
-        </a:ln>
-        <a:effectLst/>
-      </dsp:spPr>
-      <dsp:style>
-        <a:lnRef idx="2">
-          <a:scrgbClr r="0" g="0" b="0"/>
-        </a:lnRef>
-        <a:fillRef idx="0">
-          <a:scrgbClr r="0" g="0" b="0"/>
-        </a:fillRef>
-        <a:effectRef idx="0">
-          <a:scrgbClr r="0" g="0" b="0"/>
-        </a:effectRef>
-        <a:fontRef idx="minor"/>
-      </dsp:style>
-    </dsp:sp>
-    <dsp:sp modelId="{622C8964-8321-4136-AB6D-4C2C8652899E}">
-      <dsp:nvSpPr>
-        <dsp:cNvPr id="0" name=""/>
-        <dsp:cNvSpPr/>
-      </dsp:nvSpPr>
-      <dsp:spPr>
-        <a:xfrm>
-          <a:off x="2640881" y="1628427"/>
-          <a:ext cx="1844370" cy="142505"/>
-        </a:xfrm>
-        <a:custGeom>
-          <a:avLst/>
-          <a:gdLst/>
-          <a:ahLst/>
-          <a:cxnLst/>
-          <a:rect l="0" t="0" r="0" b="0"/>
-          <a:pathLst>
-            <a:path>
-              <a:moveTo>
-                <a:pt x="1844370" y="0"/>
-              </a:moveTo>
-              <a:lnTo>
-                <a:pt x="1844370" y="107294"/>
-              </a:lnTo>
-              <a:lnTo>
-                <a:pt x="0" y="107294"/>
-              </a:lnTo>
-              <a:lnTo>
-                <a:pt x="0" y="142505"/>
-              </a:lnTo>
-            </a:path>
-          </a:pathLst>
-        </a:custGeom>
-        <a:noFill/>
-        <a:ln w="12700" cap="flat" cmpd="sng" algn="ctr">
-          <a:solidFill>
-            <a:schemeClr val="accent1">
-              <a:shade val="80000"/>
-              <a:hueOff val="0"/>
-              <a:satOff val="0"/>
-              <a:lumOff val="0"/>
-              <a:alphaOff val="0"/>
-            </a:schemeClr>
-          </a:solidFill>
-          <a:prstDash val="solid"/>
-          <a:miter lim="800000"/>
-        </a:ln>
-        <a:effectLst/>
-      </dsp:spPr>
-      <dsp:style>
-        <a:lnRef idx="2">
-          <a:scrgbClr r="0" g="0" b="0"/>
-        </a:lnRef>
-        <a:fillRef idx="0">
-          <a:scrgbClr r="0" g="0" b="0"/>
-        </a:fillRef>
-        <a:effectRef idx="0">
-          <a:scrgbClr r="0" g="0" b="0"/>
-        </a:effectRef>
-        <a:fontRef idx="minor"/>
-      </dsp:style>
-    </dsp:sp>
-    <dsp:sp modelId="{313E8E30-2462-45D6-9EF9-CC87C9D53793}">
-      <dsp:nvSpPr>
-        <dsp:cNvPr id="0" name=""/>
-        <dsp:cNvSpPr/>
-      </dsp:nvSpPr>
-      <dsp:spPr>
-        <a:xfrm>
-          <a:off x="4948929" y="1114583"/>
-          <a:ext cx="1760121" cy="256308"/>
-        </a:xfrm>
-        <a:custGeom>
-          <a:avLst/>
-          <a:gdLst/>
-          <a:ahLst/>
-          <a:cxnLst/>
-          <a:rect l="0" t="0" r="0" b="0"/>
-          <a:pathLst>
-            <a:path>
-              <a:moveTo>
-                <a:pt x="1760121" y="0"/>
-              </a:moveTo>
-              <a:lnTo>
-                <a:pt x="1760121" y="256308"/>
-              </a:lnTo>
-              <a:lnTo>
-                <a:pt x="0" y="256308"/>
-              </a:lnTo>
-            </a:path>
-          </a:pathLst>
-        </a:custGeom>
-        <a:noFill/>
-        <a:ln w="12700" cap="flat" cmpd="sng" algn="ctr">
-          <a:solidFill>
-            <a:schemeClr val="accent1">
-              <a:shade val="60000"/>
-              <a:hueOff val="0"/>
-              <a:satOff val="0"/>
-              <a:lumOff val="0"/>
-              <a:alphaOff val="0"/>
-            </a:schemeClr>
-          </a:solidFill>
-          <a:prstDash val="solid"/>
-          <a:miter lim="800000"/>
-        </a:ln>
-        <a:effectLst/>
-      </dsp:spPr>
-      <dsp:style>
-        <a:lnRef idx="2">
-          <a:scrgbClr r="0" g="0" b="0"/>
-        </a:lnRef>
-        <a:fillRef idx="0">
-          <a:scrgbClr r="0" g="0" b="0"/>
-        </a:fillRef>
-        <a:effectRef idx="0">
-          <a:scrgbClr r="0" g="0" b="0"/>
-        </a:effectRef>
-        <a:fontRef idx="minor"/>
-      </dsp:style>
-    </dsp:sp>
-    <dsp:sp modelId="{B26B21B4-1F08-49AD-80A1-0A32B58051ED}">
-      <dsp:nvSpPr>
-        <dsp:cNvPr id="0" name=""/>
-        <dsp:cNvSpPr/>
-      </dsp:nvSpPr>
-      <dsp:spPr>
-        <a:xfrm>
-          <a:off x="5199166" y="0"/>
-          <a:ext cx="3019767" cy="1114583"/>
-        </a:xfrm>
-        <a:prstGeom prst="roundRect">
-          <a:avLst/>
-        </a:prstGeom>
-        <a:solidFill>
-          <a:schemeClr val="accent1">
-            <a:hueOff val="0"/>
-            <a:satOff val="0"/>
-            <a:lumOff val="0"/>
-            <a:alphaOff val="0"/>
-          </a:schemeClr>
-        </a:solidFill>
-        <a:ln w="12700" cap="flat" cmpd="sng" algn="ctr">
-          <a:solidFill>
-            <a:schemeClr val="lt1">
-              <a:hueOff val="0"/>
-              <a:satOff val="0"/>
-              <a:lumOff val="0"/>
-              <a:alphaOff val="0"/>
-            </a:schemeClr>
-          </a:solidFill>
-          <a:prstDash val="solid"/>
-          <a:miter lim="800000"/>
-        </a:ln>
-        <a:effectLst/>
-      </dsp:spPr>
-      <dsp:style>
-        <a:lnRef idx="2">
-          <a:scrgbClr r="0" g="0" b="0"/>
-        </a:lnRef>
-        <a:fillRef idx="1">
-          <a:scrgbClr r="0" g="0" b="0"/>
-        </a:fillRef>
-        <a:effectRef idx="0">
-          <a:scrgbClr r="0" g="0" b="0"/>
-        </a:effectRef>
-        <a:fontRef idx="minor">
-          <a:schemeClr val="lt1"/>
-        </a:fontRef>
-      </dsp:style>
-      <dsp:txBody>
-        <a:bodyPr spcFirstLastPara="0" vert="horz" wrap="square" lIns="6350" tIns="6350" rIns="6350" bIns="6350" numCol="1" spcCol="1270" anchor="ctr" anchorCtr="0">
-          <a:noAutofit/>
-        </a:bodyPr>
-        <a:lstStyle/>
-        <a:p>
-          <a:pPr lvl="0" algn="ctr" defTabSz="444500">
-            <a:lnSpc>
-              <a:spcPct val="90000"/>
-            </a:lnSpc>
-            <a:spcBef>
-              <a:spcPct val="0"/>
-            </a:spcBef>
-            <a:spcAft>
-              <a:spcPct val="35000"/>
-            </a:spcAft>
-          </a:pPr>
-          <a:r>
-            <a:rPr lang="en-US" sz="1000" kern="1200">
-              <a:latin typeface="Times New Roman" panose="02020603050405020304" pitchFamily="18" charset="0"/>
-              <a:cs typeface="Times New Roman" panose="02020603050405020304" pitchFamily="18" charset="0"/>
-            </a:rPr>
-            <a:t>Hệ thống quản lý trang thiết bị y tế</a:t>
-          </a:r>
-        </a:p>
-      </dsp:txBody>
-      <dsp:txXfrm>
-        <a:off x="5253575" y="54409"/>
-        <a:ext cx="2910949" cy="1005765"/>
-      </dsp:txXfrm>
-    </dsp:sp>
-    <dsp:sp modelId="{F1A6EBB9-49C5-40E6-AD07-260642524363}">
-      <dsp:nvSpPr>
-        <dsp:cNvPr id="0" name=""/>
-        <dsp:cNvSpPr/>
-      </dsp:nvSpPr>
-      <dsp:spPr>
-        <a:xfrm>
-          <a:off x="4021574" y="1113354"/>
-          <a:ext cx="927354" cy="515073"/>
-        </a:xfrm>
-        <a:prstGeom prst="roundRect">
-          <a:avLst/>
-        </a:prstGeom>
-        <a:solidFill>
-          <a:schemeClr val="accent1">
-            <a:hueOff val="0"/>
-            <a:satOff val="0"/>
-            <a:lumOff val="0"/>
-            <a:alphaOff val="0"/>
-          </a:schemeClr>
-        </a:solidFill>
-        <a:ln w="12700" cap="flat" cmpd="sng" algn="ctr">
-          <a:solidFill>
-            <a:schemeClr val="lt1">
-              <a:hueOff val="0"/>
-              <a:satOff val="0"/>
-              <a:lumOff val="0"/>
-              <a:alphaOff val="0"/>
-            </a:schemeClr>
-          </a:solidFill>
-          <a:prstDash val="solid"/>
-          <a:miter lim="800000"/>
-        </a:ln>
-        <a:effectLst/>
-      </dsp:spPr>
-      <dsp:style>
-        <a:lnRef idx="2">
-          <a:scrgbClr r="0" g="0" b="0"/>
-        </a:lnRef>
-        <a:fillRef idx="1">
-          <a:scrgbClr r="0" g="0" b="0"/>
-        </a:fillRef>
-        <a:effectRef idx="0">
-          <a:scrgbClr r="0" g="0" b="0"/>
-        </a:effectRef>
-        <a:fontRef idx="minor">
-          <a:schemeClr val="lt1"/>
-        </a:fontRef>
-      </dsp:style>
-      <dsp:txBody>
-        <a:bodyPr spcFirstLastPara="0" vert="horz" wrap="square" lIns="6350" tIns="6350" rIns="6350" bIns="6350" numCol="1" spcCol="1270" anchor="ctr" anchorCtr="0">
-          <a:noAutofit/>
-        </a:bodyPr>
-        <a:lstStyle/>
-        <a:p>
-          <a:pPr lvl="0" algn="ctr" defTabSz="444500">
-            <a:lnSpc>
-              <a:spcPct val="90000"/>
-            </a:lnSpc>
-            <a:spcBef>
-              <a:spcPct val="0"/>
-            </a:spcBef>
-            <a:spcAft>
-              <a:spcPct val="35000"/>
-            </a:spcAft>
-          </a:pPr>
-          <a:r>
-            <a:rPr lang="en-US" sz="1000" kern="1200">
-              <a:latin typeface="Times New Roman" panose="02020603050405020304" pitchFamily="18" charset="0"/>
-              <a:cs typeface="Times New Roman" panose="02020603050405020304" pitchFamily="18" charset="0"/>
-            </a:rPr>
-            <a:t>Chức năng</a:t>
-          </a:r>
-        </a:p>
-      </dsp:txBody>
-      <dsp:txXfrm>
-        <a:off x="4046718" y="1138498"/>
-        <a:ext cx="877066" cy="464785"/>
-      </dsp:txXfrm>
-    </dsp:sp>
-    <dsp:sp modelId="{653ABC31-1E06-47C1-9489-047BC7D26146}">
-      <dsp:nvSpPr>
-        <dsp:cNvPr id="0" name=""/>
-        <dsp:cNvSpPr/>
-      </dsp:nvSpPr>
-      <dsp:spPr>
-        <a:xfrm>
-          <a:off x="2266701" y="1770933"/>
-          <a:ext cx="748360" cy="404333"/>
-        </a:xfrm>
-        <a:prstGeom prst="roundRect">
-          <a:avLst/>
-        </a:prstGeom>
-        <a:solidFill>
-          <a:schemeClr val="accent2"/>
-        </a:solidFill>
-        <a:ln w="12700" cap="flat" cmpd="sng" algn="ctr">
-          <a:solidFill>
-            <a:schemeClr val="lt1">
-              <a:hueOff val="0"/>
-              <a:satOff val="0"/>
-              <a:lumOff val="0"/>
-              <a:alphaOff val="0"/>
-            </a:schemeClr>
-          </a:solidFill>
-          <a:prstDash val="solid"/>
-          <a:miter lim="800000"/>
-        </a:ln>
-        <a:effectLst/>
-      </dsp:spPr>
-      <dsp:style>
-        <a:lnRef idx="2">
-          <a:scrgbClr r="0" g="0" b="0"/>
-        </a:lnRef>
-        <a:fillRef idx="1">
-          <a:scrgbClr r="0" g="0" b="0"/>
-        </a:fillRef>
-        <a:effectRef idx="0">
-          <a:scrgbClr r="0" g="0" b="0"/>
-        </a:effectRef>
-        <a:fontRef idx="minor">
-          <a:schemeClr val="lt1"/>
-        </a:fontRef>
-      </dsp:style>
-      <dsp:txBody>
-        <a:bodyPr spcFirstLastPara="0" vert="horz" wrap="square" lIns="6350" tIns="6350" rIns="6350" bIns="6350" numCol="1" spcCol="1270" anchor="ctr" anchorCtr="0">
-          <a:noAutofit/>
-        </a:bodyPr>
-        <a:lstStyle/>
-        <a:p>
-          <a:pPr lvl="0" algn="ctr" defTabSz="444500">
-            <a:lnSpc>
-              <a:spcPct val="90000"/>
-            </a:lnSpc>
-            <a:spcBef>
-              <a:spcPct val="0"/>
-            </a:spcBef>
-            <a:spcAft>
-              <a:spcPct val="35000"/>
-            </a:spcAft>
-          </a:pPr>
-          <a:r>
-            <a:rPr lang="en-US" sz="1000" kern="1200">
-              <a:latin typeface="Times New Roman" panose="02020603050405020304" pitchFamily="18" charset="0"/>
-              <a:cs typeface="Times New Roman" panose="02020603050405020304" pitchFamily="18" charset="0"/>
-            </a:rPr>
-            <a:t>Tài khoản</a:t>
-          </a:r>
-        </a:p>
-      </dsp:txBody>
-      <dsp:txXfrm>
-        <a:off x="2286439" y="1790671"/>
-        <a:ext cx="708884" cy="364857"/>
-      </dsp:txXfrm>
-    </dsp:sp>
-    <dsp:sp modelId="{C2090A1C-243A-4EB4-9174-D988C483D2E1}">
-      <dsp:nvSpPr>
-        <dsp:cNvPr id="0" name=""/>
-        <dsp:cNvSpPr/>
-      </dsp:nvSpPr>
-      <dsp:spPr>
-        <a:xfrm>
-          <a:off x="2453791" y="2245622"/>
-          <a:ext cx="601157" cy="962174"/>
-        </a:xfrm>
-        <a:prstGeom prst="roundRect">
-          <a:avLst/>
-        </a:prstGeom>
-        <a:solidFill>
-          <a:schemeClr val="accent3"/>
-        </a:solidFill>
-        <a:ln w="12700" cap="flat" cmpd="sng" algn="ctr">
-          <a:solidFill>
-            <a:schemeClr val="lt1">
-              <a:hueOff val="0"/>
-              <a:satOff val="0"/>
-              <a:lumOff val="0"/>
-              <a:alphaOff val="0"/>
-            </a:schemeClr>
-          </a:solidFill>
-          <a:prstDash val="solid"/>
-          <a:miter lim="800000"/>
-        </a:ln>
-        <a:effectLst/>
-      </dsp:spPr>
-      <dsp:style>
-        <a:lnRef idx="2">
-          <a:scrgbClr r="0" g="0" b="0"/>
-        </a:lnRef>
-        <a:fillRef idx="1">
-          <a:scrgbClr r="0" g="0" b="0"/>
-        </a:fillRef>
-        <a:effectRef idx="0">
-          <a:scrgbClr r="0" g="0" b="0"/>
-        </a:effectRef>
-        <a:fontRef idx="minor">
-          <a:schemeClr val="lt1"/>
-        </a:fontRef>
-      </dsp:style>
-      <dsp:txBody>
-        <a:bodyPr spcFirstLastPara="0" vert="horz" wrap="square" lIns="6350" tIns="6350" rIns="6350" bIns="6350" numCol="1" spcCol="1270" anchor="ctr" anchorCtr="0">
-          <a:noAutofit/>
-        </a:bodyPr>
-        <a:lstStyle/>
-        <a:p>
-          <a:pPr lvl="0" algn="ctr" defTabSz="444500">
-            <a:lnSpc>
-              <a:spcPct val="90000"/>
-            </a:lnSpc>
-            <a:spcBef>
-              <a:spcPct val="0"/>
-            </a:spcBef>
-            <a:spcAft>
-              <a:spcPct val="35000"/>
-            </a:spcAft>
-          </a:pPr>
-          <a:r>
-            <a:rPr lang="en-US" sz="1000" kern="1200">
-              <a:latin typeface="Times New Roman" panose="02020603050405020304" pitchFamily="18" charset="0"/>
-              <a:cs typeface="Times New Roman" panose="02020603050405020304" pitchFamily="18" charset="0"/>
-            </a:rPr>
-            <a:t>Cấp tài khoản</a:t>
-          </a:r>
-        </a:p>
-      </dsp:txBody>
-      <dsp:txXfrm>
-        <a:off x="2483137" y="2274968"/>
-        <a:ext cx="542465" cy="903482"/>
-      </dsp:txXfrm>
-    </dsp:sp>
-    <dsp:sp modelId="{04898013-5501-49A1-A59F-6FDB87CAC25C}">
-      <dsp:nvSpPr>
-        <dsp:cNvPr id="0" name=""/>
-        <dsp:cNvSpPr/>
-      </dsp:nvSpPr>
-      <dsp:spPr>
-        <a:xfrm>
-          <a:off x="2453791" y="3278152"/>
-          <a:ext cx="601157" cy="720033"/>
-        </a:xfrm>
-        <a:prstGeom prst="roundRect">
-          <a:avLst/>
-        </a:prstGeom>
-        <a:solidFill>
-          <a:schemeClr val="accent3"/>
-        </a:solidFill>
-        <a:ln w="12700" cap="flat" cmpd="sng" algn="ctr">
-          <a:solidFill>
-            <a:schemeClr val="lt1">
-              <a:hueOff val="0"/>
-              <a:satOff val="0"/>
-              <a:lumOff val="0"/>
-              <a:alphaOff val="0"/>
-            </a:schemeClr>
-          </a:solidFill>
-          <a:prstDash val="solid"/>
-          <a:miter lim="800000"/>
-        </a:ln>
-        <a:effectLst/>
-      </dsp:spPr>
-      <dsp:style>
-        <a:lnRef idx="2">
-          <a:scrgbClr r="0" g="0" b="0"/>
-        </a:lnRef>
-        <a:fillRef idx="1">
-          <a:scrgbClr r="0" g="0" b="0"/>
-        </a:fillRef>
-        <a:effectRef idx="0">
-          <a:scrgbClr r="0" g="0" b="0"/>
-        </a:effectRef>
-        <a:fontRef idx="minor">
-          <a:schemeClr val="lt1"/>
-        </a:fontRef>
-      </dsp:style>
-      <dsp:txBody>
-        <a:bodyPr spcFirstLastPara="0" vert="horz" wrap="square" lIns="6350" tIns="6350" rIns="6350" bIns="6350" numCol="1" spcCol="1270" anchor="ctr" anchorCtr="0">
-          <a:noAutofit/>
-        </a:bodyPr>
-        <a:lstStyle/>
-        <a:p>
-          <a:pPr lvl="0" algn="ctr" defTabSz="444500">
-            <a:lnSpc>
-              <a:spcPct val="90000"/>
-            </a:lnSpc>
-            <a:spcBef>
-              <a:spcPct val="0"/>
-            </a:spcBef>
-            <a:spcAft>
-              <a:spcPct val="35000"/>
-            </a:spcAft>
-          </a:pPr>
-          <a:r>
-            <a:rPr lang="en-US" sz="1000" kern="1200">
-              <a:latin typeface="Times New Roman" panose="02020603050405020304" pitchFamily="18" charset="0"/>
-              <a:cs typeface="Times New Roman" panose="02020603050405020304" pitchFamily="18" charset="0"/>
-            </a:rPr>
-            <a:t>Cập nhật tài khoản</a:t>
-          </a:r>
-        </a:p>
-      </dsp:txBody>
-      <dsp:txXfrm>
-        <a:off x="2483137" y="3307498"/>
-        <a:ext cx="542465" cy="661341"/>
-      </dsp:txXfrm>
-    </dsp:sp>
-    <dsp:sp modelId="{014351C4-7BD9-4DC1-84CE-CD4E578012E4}">
-      <dsp:nvSpPr>
-        <dsp:cNvPr id="0" name=""/>
-        <dsp:cNvSpPr/>
-      </dsp:nvSpPr>
-      <dsp:spPr>
-        <a:xfrm>
-          <a:off x="3085485" y="1770933"/>
-          <a:ext cx="1009887" cy="404729"/>
-        </a:xfrm>
-        <a:prstGeom prst="roundRect">
-          <a:avLst/>
-        </a:prstGeom>
-        <a:solidFill>
-          <a:schemeClr val="accent2"/>
-        </a:solidFill>
-        <a:ln w="12700" cap="flat" cmpd="sng" algn="ctr">
-          <a:solidFill>
-            <a:schemeClr val="lt1">
-              <a:hueOff val="0"/>
-              <a:satOff val="0"/>
-              <a:lumOff val="0"/>
-              <a:alphaOff val="0"/>
-            </a:schemeClr>
-          </a:solidFill>
-          <a:prstDash val="solid"/>
-          <a:miter lim="800000"/>
-        </a:ln>
-        <a:effectLst/>
-      </dsp:spPr>
-      <dsp:style>
-        <a:lnRef idx="2">
-          <a:scrgbClr r="0" g="0" b="0"/>
-        </a:lnRef>
-        <a:fillRef idx="1">
-          <a:scrgbClr r="0" g="0" b="0"/>
-        </a:fillRef>
-        <a:effectRef idx="0">
-          <a:scrgbClr r="0" g="0" b="0"/>
-        </a:effectRef>
-        <a:fontRef idx="minor">
-          <a:schemeClr val="lt1"/>
-        </a:fontRef>
-      </dsp:style>
-      <dsp:txBody>
-        <a:bodyPr spcFirstLastPara="0" vert="horz" wrap="square" lIns="6350" tIns="6350" rIns="6350" bIns="6350" numCol="1" spcCol="1270" anchor="ctr" anchorCtr="0">
-          <a:noAutofit/>
-        </a:bodyPr>
-        <a:lstStyle/>
-        <a:p>
-          <a:pPr lvl="0" algn="ctr" defTabSz="444500">
-            <a:lnSpc>
-              <a:spcPct val="90000"/>
-            </a:lnSpc>
-            <a:spcBef>
-              <a:spcPct val="0"/>
-            </a:spcBef>
-            <a:spcAft>
-              <a:spcPct val="35000"/>
-            </a:spcAft>
-          </a:pPr>
-          <a:r>
-            <a:rPr lang="en-US" sz="1000" kern="1200">
-              <a:latin typeface="Times New Roman" panose="02020603050405020304" pitchFamily="18" charset="0"/>
-              <a:cs typeface="Times New Roman" panose="02020603050405020304" pitchFamily="18" charset="0"/>
-            </a:rPr>
-            <a:t>Thông báo</a:t>
-          </a:r>
-        </a:p>
-      </dsp:txBody>
-      <dsp:txXfrm>
-        <a:off x="3105242" y="1790690"/>
-        <a:ext cx="970373" cy="365215"/>
-      </dsp:txXfrm>
-    </dsp:sp>
-    <dsp:sp modelId="{8397817B-7A4E-47B3-997E-E83735CEC40C}">
-      <dsp:nvSpPr>
-        <dsp:cNvPr id="0" name=""/>
-        <dsp:cNvSpPr/>
-      </dsp:nvSpPr>
-      <dsp:spPr>
-        <a:xfrm>
-          <a:off x="3337957" y="2246018"/>
-          <a:ext cx="804984" cy="734646"/>
-        </a:xfrm>
-        <a:prstGeom prst="roundRect">
-          <a:avLst/>
-        </a:prstGeom>
-        <a:solidFill>
-          <a:schemeClr val="accent3"/>
-        </a:solidFill>
-        <a:ln w="12700" cap="flat" cmpd="sng" algn="ctr">
-          <a:solidFill>
-            <a:schemeClr val="lt1">
-              <a:hueOff val="0"/>
-              <a:satOff val="0"/>
-              <a:lumOff val="0"/>
-              <a:alphaOff val="0"/>
-            </a:schemeClr>
-          </a:solidFill>
-          <a:prstDash val="solid"/>
-          <a:miter lim="800000"/>
-        </a:ln>
-        <a:effectLst/>
-      </dsp:spPr>
-      <dsp:style>
-        <a:lnRef idx="2">
-          <a:scrgbClr r="0" g="0" b="0"/>
-        </a:lnRef>
-        <a:fillRef idx="1">
-          <a:scrgbClr r="0" g="0" b="0"/>
-        </a:fillRef>
-        <a:effectRef idx="0">
-          <a:scrgbClr r="0" g="0" b="0"/>
-        </a:effectRef>
-        <a:fontRef idx="minor">
-          <a:schemeClr val="lt1"/>
-        </a:fontRef>
-      </dsp:style>
-      <dsp:txBody>
-        <a:bodyPr spcFirstLastPara="0" vert="horz" wrap="square" lIns="6350" tIns="6350" rIns="6350" bIns="6350" numCol="1" spcCol="1270" anchor="ctr" anchorCtr="0">
-          <a:noAutofit/>
-        </a:bodyPr>
-        <a:lstStyle/>
-        <a:p>
-          <a:pPr lvl="0" algn="ctr" defTabSz="444500">
-            <a:lnSpc>
-              <a:spcPct val="90000"/>
-            </a:lnSpc>
-            <a:spcBef>
-              <a:spcPct val="0"/>
-            </a:spcBef>
-            <a:spcAft>
-              <a:spcPct val="35000"/>
-            </a:spcAft>
-          </a:pPr>
-          <a:r>
-            <a:rPr lang="en-US" sz="1000" kern="1200">
-              <a:latin typeface="Times New Roman" panose="02020603050405020304" pitchFamily="18" charset="0"/>
-              <a:cs typeface="Times New Roman" panose="02020603050405020304" pitchFamily="18" charset="0"/>
-            </a:rPr>
-            <a:t>Thông báo hỏng</a:t>
-          </a:r>
-        </a:p>
-      </dsp:txBody>
-      <dsp:txXfrm>
-        <a:off x="3373819" y="2281880"/>
-        <a:ext cx="733260" cy="662922"/>
-      </dsp:txXfrm>
-    </dsp:sp>
-    <dsp:sp modelId="{781587ED-E304-4194-BC9D-CAB108026194}">
-      <dsp:nvSpPr>
-        <dsp:cNvPr id="0" name=""/>
-        <dsp:cNvSpPr/>
-      </dsp:nvSpPr>
-      <dsp:spPr>
-        <a:xfrm>
-          <a:off x="3337957" y="3051088"/>
-          <a:ext cx="803780" cy="614629"/>
-        </a:xfrm>
-        <a:prstGeom prst="roundRect">
-          <a:avLst/>
-        </a:prstGeom>
-        <a:solidFill>
-          <a:schemeClr val="accent3"/>
-        </a:solidFill>
-        <a:ln w="12700" cap="flat" cmpd="sng" algn="ctr">
-          <a:solidFill>
-            <a:schemeClr val="lt1">
-              <a:hueOff val="0"/>
-              <a:satOff val="0"/>
-              <a:lumOff val="0"/>
-              <a:alphaOff val="0"/>
-            </a:schemeClr>
-          </a:solidFill>
-          <a:prstDash val="solid"/>
-          <a:miter lim="800000"/>
-        </a:ln>
-        <a:effectLst/>
-      </dsp:spPr>
-      <dsp:style>
-        <a:lnRef idx="2">
-          <a:scrgbClr r="0" g="0" b="0"/>
-        </a:lnRef>
-        <a:fillRef idx="1">
-          <a:scrgbClr r="0" g="0" b="0"/>
-        </a:fillRef>
-        <a:effectRef idx="0">
-          <a:scrgbClr r="0" g="0" b="0"/>
-        </a:effectRef>
-        <a:fontRef idx="minor">
-          <a:schemeClr val="lt1"/>
-        </a:fontRef>
-      </dsp:style>
-      <dsp:txBody>
-        <a:bodyPr spcFirstLastPara="0" vert="horz" wrap="square" lIns="6350" tIns="6350" rIns="6350" bIns="6350" numCol="1" spcCol="1270" anchor="ctr" anchorCtr="0">
-          <a:noAutofit/>
-        </a:bodyPr>
-        <a:lstStyle/>
-        <a:p>
-          <a:pPr lvl="0" algn="ctr" defTabSz="444500">
-            <a:lnSpc>
-              <a:spcPct val="90000"/>
-            </a:lnSpc>
-            <a:spcBef>
-              <a:spcPct val="0"/>
-            </a:spcBef>
-            <a:spcAft>
-              <a:spcPct val="35000"/>
-            </a:spcAft>
-          </a:pPr>
-          <a:r>
-            <a:rPr lang="en-US" sz="1000" kern="1200">
-              <a:latin typeface="Times New Roman" panose="02020603050405020304" pitchFamily="18" charset="0"/>
-              <a:cs typeface="Times New Roman" panose="02020603050405020304" pitchFamily="18" charset="0"/>
-            </a:rPr>
-            <a:t>Thông báo bảo trì, bảo dưỡng</a:t>
-          </a:r>
-        </a:p>
-      </dsp:txBody>
-      <dsp:txXfrm>
-        <a:off x="3367961" y="3081092"/>
-        <a:ext cx="743772" cy="554621"/>
-      </dsp:txXfrm>
-    </dsp:sp>
-    <dsp:sp modelId="{A7C7F1F7-9BD3-456C-B808-E582F85C0F96}">
-      <dsp:nvSpPr>
-        <dsp:cNvPr id="0" name=""/>
-        <dsp:cNvSpPr/>
-      </dsp:nvSpPr>
-      <dsp:spPr>
-        <a:xfrm>
-          <a:off x="3337957" y="3736141"/>
-          <a:ext cx="746056" cy="614629"/>
-        </a:xfrm>
-        <a:prstGeom prst="roundRect">
-          <a:avLst/>
-        </a:prstGeom>
-        <a:solidFill>
-          <a:schemeClr val="accent3"/>
-        </a:solidFill>
-        <a:ln w="12700" cap="flat" cmpd="sng" algn="ctr">
-          <a:solidFill>
-            <a:schemeClr val="lt1">
-              <a:hueOff val="0"/>
-              <a:satOff val="0"/>
-              <a:lumOff val="0"/>
-              <a:alphaOff val="0"/>
-            </a:schemeClr>
-          </a:solidFill>
-          <a:prstDash val="solid"/>
-          <a:miter lim="800000"/>
-        </a:ln>
-        <a:effectLst/>
-      </dsp:spPr>
-      <dsp:style>
-        <a:lnRef idx="2">
-          <a:scrgbClr r="0" g="0" b="0"/>
-        </a:lnRef>
-        <a:fillRef idx="1">
-          <a:scrgbClr r="0" g="0" b="0"/>
-        </a:fillRef>
-        <a:effectRef idx="0">
-          <a:scrgbClr r="0" g="0" b="0"/>
-        </a:effectRef>
-        <a:fontRef idx="minor">
-          <a:schemeClr val="lt1"/>
-        </a:fontRef>
-      </dsp:style>
-      <dsp:txBody>
-        <a:bodyPr spcFirstLastPara="0" vert="horz" wrap="square" lIns="6350" tIns="6350" rIns="6350" bIns="6350" numCol="1" spcCol="1270" anchor="ctr" anchorCtr="0">
-          <a:noAutofit/>
-        </a:bodyPr>
-        <a:lstStyle/>
-        <a:p>
-          <a:pPr lvl="0" algn="ctr" defTabSz="444500">
-            <a:lnSpc>
-              <a:spcPct val="90000"/>
-            </a:lnSpc>
-            <a:spcBef>
-              <a:spcPct val="0"/>
-            </a:spcBef>
-            <a:spcAft>
-              <a:spcPct val="35000"/>
-            </a:spcAft>
-          </a:pPr>
-          <a:r>
-            <a:rPr lang="en-US" sz="1000" kern="1200">
-              <a:latin typeface="Times New Roman" panose="02020603050405020304" pitchFamily="18" charset="0"/>
-              <a:cs typeface="Times New Roman" panose="02020603050405020304" pitchFamily="18" charset="0"/>
-            </a:rPr>
-            <a:t>Thông báo thiết bị chưa sửa chữa xong</a:t>
-          </a:r>
-        </a:p>
-      </dsp:txBody>
-      <dsp:txXfrm>
-        <a:off x="3367961" y="3766145"/>
-        <a:ext cx="686048" cy="554621"/>
-      </dsp:txXfrm>
-    </dsp:sp>
-    <dsp:sp modelId="{E9136E50-27A4-46E0-8AD3-A5A22C9F3D70}">
-      <dsp:nvSpPr>
-        <dsp:cNvPr id="0" name=""/>
-        <dsp:cNvSpPr/>
-      </dsp:nvSpPr>
-      <dsp:spPr>
-        <a:xfrm>
-          <a:off x="4165797" y="1770933"/>
-          <a:ext cx="844344" cy="404729"/>
-        </a:xfrm>
-        <a:prstGeom prst="roundRect">
-          <a:avLst/>
-        </a:prstGeom>
-        <a:solidFill>
-          <a:schemeClr val="accent2"/>
-        </a:solidFill>
-        <a:ln w="12700" cap="flat" cmpd="sng" algn="ctr">
-          <a:solidFill>
-            <a:schemeClr val="lt1">
-              <a:hueOff val="0"/>
-              <a:satOff val="0"/>
-              <a:lumOff val="0"/>
-              <a:alphaOff val="0"/>
-            </a:schemeClr>
-          </a:solidFill>
-          <a:prstDash val="solid"/>
-          <a:miter lim="800000"/>
-        </a:ln>
-        <a:effectLst/>
-      </dsp:spPr>
-      <dsp:style>
-        <a:lnRef idx="2">
-          <a:scrgbClr r="0" g="0" b="0"/>
-        </a:lnRef>
-        <a:fillRef idx="1">
-          <a:scrgbClr r="0" g="0" b="0"/>
-        </a:fillRef>
-        <a:effectRef idx="0">
-          <a:scrgbClr r="0" g="0" b="0"/>
-        </a:effectRef>
-        <a:fontRef idx="minor">
-          <a:schemeClr val="lt1"/>
-        </a:fontRef>
-      </dsp:style>
-      <dsp:txBody>
-        <a:bodyPr spcFirstLastPara="0" vert="horz" wrap="square" lIns="6350" tIns="6350" rIns="6350" bIns="6350" numCol="1" spcCol="1270" anchor="ctr" anchorCtr="0">
-          <a:noAutofit/>
-        </a:bodyPr>
-        <a:lstStyle/>
-        <a:p>
-          <a:pPr lvl="0" algn="ctr" defTabSz="444500">
-            <a:lnSpc>
-              <a:spcPct val="90000"/>
-            </a:lnSpc>
-            <a:spcBef>
-              <a:spcPct val="0"/>
-            </a:spcBef>
-            <a:spcAft>
-              <a:spcPct val="35000"/>
-            </a:spcAft>
-          </a:pPr>
-          <a:r>
-            <a:rPr lang="en-US" sz="1000" kern="1200">
-              <a:latin typeface="Times New Roman" panose="02020603050405020304" pitchFamily="18" charset="0"/>
-              <a:cs typeface="Times New Roman" panose="02020603050405020304" pitchFamily="18" charset="0"/>
-            </a:rPr>
-            <a:t>Thiết bị</a:t>
-          </a:r>
-        </a:p>
-      </dsp:txBody>
-      <dsp:txXfrm>
-        <a:off x="4185554" y="1790690"/>
-        <a:ext cx="804830" cy="365215"/>
-      </dsp:txXfrm>
-    </dsp:sp>
-    <dsp:sp modelId="{C5045003-5696-4CA4-9745-016834C4B889}">
-      <dsp:nvSpPr>
-        <dsp:cNvPr id="0" name=""/>
-        <dsp:cNvSpPr/>
-      </dsp:nvSpPr>
-      <dsp:spPr>
-        <a:xfrm>
-          <a:off x="4376883" y="2246018"/>
-          <a:ext cx="601744" cy="614629"/>
-        </a:xfrm>
-        <a:prstGeom prst="roundRect">
-          <a:avLst/>
-        </a:prstGeom>
-        <a:solidFill>
-          <a:schemeClr val="accent3"/>
-        </a:solidFill>
-        <a:ln w="12700" cap="flat" cmpd="sng" algn="ctr">
-          <a:solidFill>
-            <a:schemeClr val="lt1">
-              <a:hueOff val="0"/>
-              <a:satOff val="0"/>
-              <a:lumOff val="0"/>
-              <a:alphaOff val="0"/>
-            </a:schemeClr>
-          </a:solidFill>
-          <a:prstDash val="solid"/>
-          <a:miter lim="800000"/>
-        </a:ln>
-        <a:effectLst/>
-      </dsp:spPr>
-      <dsp:style>
-        <a:lnRef idx="2">
-          <a:scrgbClr r="0" g="0" b="0"/>
-        </a:lnRef>
-        <a:fillRef idx="1">
-          <a:scrgbClr r="0" g="0" b="0"/>
-        </a:fillRef>
-        <a:effectRef idx="0">
-          <a:scrgbClr r="0" g="0" b="0"/>
-        </a:effectRef>
-        <a:fontRef idx="minor">
-          <a:schemeClr val="lt1"/>
-        </a:fontRef>
-      </dsp:style>
-      <dsp:txBody>
-        <a:bodyPr spcFirstLastPara="0" vert="horz" wrap="square" lIns="6350" tIns="6350" rIns="6350" bIns="6350" numCol="1" spcCol="1270" anchor="ctr" anchorCtr="0">
-          <a:noAutofit/>
-        </a:bodyPr>
-        <a:lstStyle/>
-        <a:p>
-          <a:pPr lvl="0" algn="ctr" defTabSz="444500">
-            <a:lnSpc>
-              <a:spcPct val="90000"/>
-            </a:lnSpc>
-            <a:spcBef>
-              <a:spcPct val="0"/>
-            </a:spcBef>
-            <a:spcAft>
-              <a:spcPct val="35000"/>
-            </a:spcAft>
-          </a:pPr>
-          <a:r>
-            <a:rPr lang="en-US" sz="1000" kern="1200">
-              <a:latin typeface="Times New Roman" panose="02020603050405020304" pitchFamily="18" charset="0"/>
-              <a:cs typeface="Times New Roman" panose="02020603050405020304" pitchFamily="18" charset="0"/>
-            </a:rPr>
-            <a:t>Nhập thiết bị</a:t>
-          </a:r>
-        </a:p>
-      </dsp:txBody>
-      <dsp:txXfrm>
-        <a:off x="4406258" y="2275393"/>
-        <a:ext cx="542994" cy="555879"/>
-      </dsp:txXfrm>
-    </dsp:sp>
-    <dsp:sp modelId="{D8B4E463-BE3B-4C5E-BB08-60EA32A5F738}">
-      <dsp:nvSpPr>
-        <dsp:cNvPr id="0" name=""/>
-        <dsp:cNvSpPr/>
-      </dsp:nvSpPr>
-      <dsp:spPr>
-        <a:xfrm>
-          <a:off x="4376883" y="2931071"/>
-          <a:ext cx="601744" cy="614629"/>
-        </a:xfrm>
-        <a:prstGeom prst="roundRect">
-          <a:avLst/>
-        </a:prstGeom>
-        <a:solidFill>
-          <a:schemeClr val="accent3"/>
-        </a:solidFill>
-        <a:ln w="12700" cap="flat" cmpd="sng" algn="ctr">
-          <a:solidFill>
-            <a:schemeClr val="lt1">
-              <a:hueOff val="0"/>
-              <a:satOff val="0"/>
-              <a:lumOff val="0"/>
-              <a:alphaOff val="0"/>
-            </a:schemeClr>
-          </a:solidFill>
-          <a:prstDash val="solid"/>
-          <a:miter lim="800000"/>
-        </a:ln>
-        <a:effectLst/>
-      </dsp:spPr>
-      <dsp:style>
-        <a:lnRef idx="2">
-          <a:scrgbClr r="0" g="0" b="0"/>
-        </a:lnRef>
-        <a:fillRef idx="1">
-          <a:scrgbClr r="0" g="0" b="0"/>
-        </a:fillRef>
-        <a:effectRef idx="0">
-          <a:scrgbClr r="0" g="0" b="0"/>
-        </a:effectRef>
-        <a:fontRef idx="minor">
-          <a:schemeClr val="lt1"/>
-        </a:fontRef>
-      </dsp:style>
-      <dsp:txBody>
-        <a:bodyPr spcFirstLastPara="0" vert="horz" wrap="square" lIns="6350" tIns="6350" rIns="6350" bIns="6350" numCol="1" spcCol="1270" anchor="ctr" anchorCtr="0">
-          <a:noAutofit/>
-        </a:bodyPr>
-        <a:lstStyle/>
-        <a:p>
-          <a:pPr lvl="0" algn="ctr" defTabSz="444500">
-            <a:lnSpc>
-              <a:spcPct val="90000"/>
-            </a:lnSpc>
-            <a:spcBef>
-              <a:spcPct val="0"/>
-            </a:spcBef>
-            <a:spcAft>
-              <a:spcPct val="35000"/>
-            </a:spcAft>
-          </a:pPr>
-          <a:r>
-            <a:rPr lang="en-US" sz="1000" kern="1200">
-              <a:latin typeface="Times New Roman" panose="02020603050405020304" pitchFamily="18" charset="0"/>
-              <a:cs typeface="Times New Roman" panose="02020603050405020304" pitchFamily="18" charset="0"/>
-            </a:rPr>
-            <a:t>Thực trạng thiết bị</a:t>
-          </a:r>
-        </a:p>
-      </dsp:txBody>
-      <dsp:txXfrm>
-        <a:off x="4406258" y="2960446"/>
-        <a:ext cx="542994" cy="555879"/>
-      </dsp:txXfrm>
-    </dsp:sp>
-    <dsp:sp modelId="{24FF1877-9027-4C0C-B0B2-5E86E4AFB91E}">
-      <dsp:nvSpPr>
-        <dsp:cNvPr id="0" name=""/>
-        <dsp:cNvSpPr/>
-      </dsp:nvSpPr>
-      <dsp:spPr>
-        <a:xfrm>
-          <a:off x="5080566" y="1770933"/>
-          <a:ext cx="695200" cy="404729"/>
-        </a:xfrm>
-        <a:prstGeom prst="roundRect">
-          <a:avLst/>
-        </a:prstGeom>
-        <a:solidFill>
-          <a:schemeClr val="accent2"/>
-        </a:solidFill>
-        <a:ln w="12700" cap="flat" cmpd="sng" algn="ctr">
-          <a:solidFill>
-            <a:schemeClr val="lt1">
-              <a:hueOff val="0"/>
-              <a:satOff val="0"/>
-              <a:lumOff val="0"/>
-              <a:alphaOff val="0"/>
-            </a:schemeClr>
-          </a:solidFill>
-          <a:prstDash val="solid"/>
-          <a:miter lim="800000"/>
-        </a:ln>
-        <a:effectLst/>
-      </dsp:spPr>
-      <dsp:style>
-        <a:lnRef idx="2">
-          <a:scrgbClr r="0" g="0" b="0"/>
-        </a:lnRef>
-        <a:fillRef idx="1">
-          <a:scrgbClr r="0" g="0" b="0"/>
-        </a:fillRef>
-        <a:effectRef idx="0">
-          <a:scrgbClr r="0" g="0" b="0"/>
-        </a:effectRef>
-        <a:fontRef idx="minor">
-          <a:schemeClr val="lt1"/>
-        </a:fontRef>
-      </dsp:style>
-      <dsp:txBody>
-        <a:bodyPr spcFirstLastPara="0" vert="horz" wrap="square" lIns="6350" tIns="6350" rIns="6350" bIns="6350" numCol="1" spcCol="1270" anchor="ctr" anchorCtr="0">
-          <a:noAutofit/>
-        </a:bodyPr>
-        <a:lstStyle/>
-        <a:p>
-          <a:pPr lvl="0" algn="ctr" defTabSz="444500">
-            <a:lnSpc>
-              <a:spcPct val="90000"/>
-            </a:lnSpc>
-            <a:spcBef>
-              <a:spcPct val="0"/>
-            </a:spcBef>
-            <a:spcAft>
-              <a:spcPct val="35000"/>
-            </a:spcAft>
-          </a:pPr>
-          <a:r>
-            <a:rPr lang="en-US" sz="1000" kern="1200">
-              <a:latin typeface="Times New Roman" panose="02020603050405020304" pitchFamily="18" charset="0"/>
-              <a:cs typeface="Times New Roman" panose="02020603050405020304" pitchFamily="18" charset="0"/>
-            </a:rPr>
-            <a:t>Quản lý thiết bị</a:t>
-          </a:r>
-        </a:p>
-      </dsp:txBody>
-      <dsp:txXfrm>
-        <a:off x="5100323" y="1790690"/>
-        <a:ext cx="655686" cy="365215"/>
-      </dsp:txXfrm>
-    </dsp:sp>
-    <dsp:sp modelId="{308D3359-3202-433D-AF33-7332050E1406}">
-      <dsp:nvSpPr>
-        <dsp:cNvPr id="0" name=""/>
-        <dsp:cNvSpPr/>
-      </dsp:nvSpPr>
-      <dsp:spPr>
-        <a:xfrm>
-          <a:off x="5254366" y="2246018"/>
-          <a:ext cx="601744" cy="614629"/>
-        </a:xfrm>
-        <a:prstGeom prst="roundRect">
-          <a:avLst/>
-        </a:prstGeom>
-        <a:solidFill>
-          <a:schemeClr val="accent3"/>
-        </a:solidFill>
-        <a:ln w="12700" cap="flat" cmpd="sng" algn="ctr">
-          <a:solidFill>
-            <a:schemeClr val="lt1">
-              <a:hueOff val="0"/>
-              <a:satOff val="0"/>
-              <a:lumOff val="0"/>
-              <a:alphaOff val="0"/>
-            </a:schemeClr>
-          </a:solidFill>
-          <a:prstDash val="solid"/>
-          <a:miter lim="800000"/>
-        </a:ln>
-        <a:effectLst/>
-      </dsp:spPr>
-      <dsp:style>
-        <a:lnRef idx="2">
-          <a:scrgbClr r="0" g="0" b="0"/>
-        </a:lnRef>
-        <a:fillRef idx="1">
-          <a:scrgbClr r="0" g="0" b="0"/>
-        </a:fillRef>
-        <a:effectRef idx="0">
-          <a:scrgbClr r="0" g="0" b="0"/>
-        </a:effectRef>
-        <a:fontRef idx="minor">
-          <a:schemeClr val="lt1"/>
-        </a:fontRef>
-      </dsp:style>
-      <dsp:txBody>
-        <a:bodyPr spcFirstLastPara="0" vert="horz" wrap="square" lIns="6350" tIns="6350" rIns="6350" bIns="6350" numCol="1" spcCol="1270" anchor="ctr" anchorCtr="0">
-          <a:noAutofit/>
-        </a:bodyPr>
-        <a:lstStyle/>
-        <a:p>
-          <a:pPr lvl="0" algn="ctr" defTabSz="444500">
-            <a:lnSpc>
-              <a:spcPct val="90000"/>
-            </a:lnSpc>
-            <a:spcBef>
-              <a:spcPct val="0"/>
-            </a:spcBef>
-            <a:spcAft>
-              <a:spcPct val="35000"/>
-            </a:spcAft>
-          </a:pPr>
-          <a:r>
-            <a:rPr lang="en-US" sz="1000" kern="1200">
-              <a:latin typeface="Times New Roman" panose="02020603050405020304" pitchFamily="18" charset="0"/>
-              <a:cs typeface="Times New Roman" panose="02020603050405020304" pitchFamily="18" charset="0"/>
-            </a:rPr>
-            <a:t>Cập nhật trạng thái thiết bị</a:t>
-          </a:r>
-        </a:p>
-      </dsp:txBody>
-      <dsp:txXfrm>
-        <a:off x="5283741" y="2275393"/>
-        <a:ext cx="542994" cy="555879"/>
-      </dsp:txXfrm>
-    </dsp:sp>
-    <dsp:sp modelId="{9F9C8DB8-5630-41F6-A6D8-B8123933DBAF}">
-      <dsp:nvSpPr>
-        <dsp:cNvPr id="0" name=""/>
-        <dsp:cNvSpPr/>
-      </dsp:nvSpPr>
-      <dsp:spPr>
-        <a:xfrm>
-          <a:off x="5254366" y="2931071"/>
-          <a:ext cx="601744" cy="614629"/>
-        </a:xfrm>
-        <a:prstGeom prst="roundRect">
-          <a:avLst/>
-        </a:prstGeom>
-        <a:solidFill>
-          <a:schemeClr val="accent3"/>
-        </a:solidFill>
-        <a:ln w="12700" cap="flat" cmpd="sng" algn="ctr">
-          <a:solidFill>
-            <a:schemeClr val="lt1">
-              <a:hueOff val="0"/>
-              <a:satOff val="0"/>
-              <a:lumOff val="0"/>
-              <a:alphaOff val="0"/>
-            </a:schemeClr>
-          </a:solidFill>
-          <a:prstDash val="solid"/>
-          <a:miter lim="800000"/>
-        </a:ln>
-        <a:effectLst/>
-      </dsp:spPr>
-      <dsp:style>
-        <a:lnRef idx="2">
-          <a:scrgbClr r="0" g="0" b="0"/>
-        </a:lnRef>
-        <a:fillRef idx="1">
-          <a:scrgbClr r="0" g="0" b="0"/>
-        </a:fillRef>
-        <a:effectRef idx="0">
-          <a:scrgbClr r="0" g="0" b="0"/>
-        </a:effectRef>
-        <a:fontRef idx="minor">
-          <a:schemeClr val="lt1"/>
-        </a:fontRef>
-      </dsp:style>
-      <dsp:txBody>
-        <a:bodyPr spcFirstLastPara="0" vert="horz" wrap="square" lIns="6350" tIns="6350" rIns="6350" bIns="6350" numCol="1" spcCol="1270" anchor="ctr" anchorCtr="0">
-          <a:noAutofit/>
-        </a:bodyPr>
-        <a:lstStyle/>
-        <a:p>
-          <a:pPr lvl="0" algn="ctr" defTabSz="444500">
-            <a:lnSpc>
-              <a:spcPct val="90000"/>
-            </a:lnSpc>
-            <a:spcBef>
-              <a:spcPct val="0"/>
-            </a:spcBef>
-            <a:spcAft>
-              <a:spcPct val="35000"/>
-            </a:spcAft>
-          </a:pPr>
-          <a:r>
-            <a:rPr lang="en-US" sz="1000" kern="1200">
-              <a:latin typeface="Times New Roman" panose="02020603050405020304" pitchFamily="18" charset="0"/>
-              <a:cs typeface="Times New Roman" panose="02020603050405020304" pitchFamily="18" charset="0"/>
-            </a:rPr>
-            <a:t>Báo cáo thực trạng thiết bok quản lý</a:t>
-          </a:r>
-        </a:p>
-      </dsp:txBody>
-      <dsp:txXfrm>
-        <a:off x="5283741" y="2960446"/>
-        <a:ext cx="542994" cy="555879"/>
-      </dsp:txXfrm>
-    </dsp:sp>
-    <dsp:sp modelId="{F272B269-9BE7-4A86-9088-FF6751F17A08}">
-      <dsp:nvSpPr>
-        <dsp:cNvPr id="0" name=""/>
-        <dsp:cNvSpPr/>
-      </dsp:nvSpPr>
-      <dsp:spPr>
-        <a:xfrm>
-          <a:off x="5846190" y="1770933"/>
-          <a:ext cx="857611" cy="404729"/>
-        </a:xfrm>
-        <a:prstGeom prst="roundRect">
-          <a:avLst/>
-        </a:prstGeom>
-        <a:solidFill>
-          <a:schemeClr val="accent2"/>
-        </a:solidFill>
-        <a:ln w="12700" cap="flat" cmpd="sng" algn="ctr">
-          <a:solidFill>
-            <a:schemeClr val="lt1">
-              <a:hueOff val="0"/>
-              <a:satOff val="0"/>
-              <a:lumOff val="0"/>
-              <a:alphaOff val="0"/>
-            </a:schemeClr>
-          </a:solidFill>
-          <a:prstDash val="solid"/>
-          <a:miter lim="800000"/>
-        </a:ln>
-        <a:effectLst/>
-      </dsp:spPr>
-      <dsp:style>
-        <a:lnRef idx="2">
-          <a:scrgbClr r="0" g="0" b="0"/>
-        </a:lnRef>
-        <a:fillRef idx="1">
-          <a:scrgbClr r="0" g="0" b="0"/>
-        </a:fillRef>
-        <a:effectRef idx="0">
-          <a:scrgbClr r="0" g="0" b="0"/>
-        </a:effectRef>
-        <a:fontRef idx="minor">
-          <a:schemeClr val="lt1"/>
-        </a:fontRef>
-      </dsp:style>
-      <dsp:txBody>
-        <a:bodyPr spcFirstLastPara="0" vert="horz" wrap="square" lIns="6350" tIns="6350" rIns="6350" bIns="6350" numCol="1" spcCol="1270" anchor="ctr" anchorCtr="0">
-          <a:noAutofit/>
-        </a:bodyPr>
-        <a:lstStyle/>
-        <a:p>
-          <a:pPr lvl="0" algn="ctr" defTabSz="444500">
-            <a:lnSpc>
-              <a:spcPct val="90000"/>
-            </a:lnSpc>
-            <a:spcBef>
-              <a:spcPct val="0"/>
-            </a:spcBef>
-            <a:spcAft>
-              <a:spcPct val="35000"/>
-            </a:spcAft>
-          </a:pPr>
-          <a:r>
-            <a:rPr lang="en-US" sz="1000" kern="1200">
-              <a:latin typeface="Times New Roman" panose="02020603050405020304" pitchFamily="18" charset="0"/>
-              <a:cs typeface="Times New Roman" panose="02020603050405020304" pitchFamily="18" charset="0"/>
-            </a:rPr>
-            <a:t>Thống kê</a:t>
-          </a:r>
-        </a:p>
-      </dsp:txBody>
-      <dsp:txXfrm>
-        <a:off x="5865947" y="1790690"/>
-        <a:ext cx="818097" cy="365215"/>
-      </dsp:txXfrm>
-    </dsp:sp>
-    <dsp:sp modelId="{FBF55AB3-74DA-42BA-8FE4-8B4E27C67277}">
-      <dsp:nvSpPr>
-        <dsp:cNvPr id="0" name=""/>
-        <dsp:cNvSpPr/>
-      </dsp:nvSpPr>
-      <dsp:spPr>
-        <a:xfrm>
-          <a:off x="6060593" y="2246018"/>
-          <a:ext cx="601744" cy="614629"/>
-        </a:xfrm>
-        <a:prstGeom prst="roundRect">
-          <a:avLst/>
-        </a:prstGeom>
-        <a:solidFill>
-          <a:schemeClr val="accent3"/>
-        </a:solidFill>
-        <a:ln w="12700" cap="flat" cmpd="sng" algn="ctr">
-          <a:solidFill>
-            <a:schemeClr val="lt1">
-              <a:hueOff val="0"/>
-              <a:satOff val="0"/>
-              <a:lumOff val="0"/>
-              <a:alphaOff val="0"/>
-            </a:schemeClr>
-          </a:solidFill>
-          <a:prstDash val="solid"/>
-          <a:miter lim="800000"/>
-        </a:ln>
-        <a:effectLst/>
-      </dsp:spPr>
-      <dsp:style>
-        <a:lnRef idx="2">
-          <a:scrgbClr r="0" g="0" b="0"/>
-        </a:lnRef>
-        <a:fillRef idx="1">
-          <a:scrgbClr r="0" g="0" b="0"/>
-        </a:fillRef>
-        <a:effectRef idx="0">
-          <a:scrgbClr r="0" g="0" b="0"/>
-        </a:effectRef>
-        <a:fontRef idx="minor">
-          <a:schemeClr val="lt1"/>
-        </a:fontRef>
-      </dsp:style>
-      <dsp:txBody>
-        <a:bodyPr spcFirstLastPara="0" vert="horz" wrap="square" lIns="6350" tIns="6350" rIns="6350" bIns="6350" numCol="1" spcCol="1270" anchor="ctr" anchorCtr="0">
-          <a:noAutofit/>
-        </a:bodyPr>
-        <a:lstStyle/>
-        <a:p>
-          <a:pPr lvl="0" algn="ctr" defTabSz="444500">
-            <a:lnSpc>
-              <a:spcPct val="90000"/>
-            </a:lnSpc>
-            <a:spcBef>
-              <a:spcPct val="0"/>
-            </a:spcBef>
-            <a:spcAft>
-              <a:spcPct val="35000"/>
-            </a:spcAft>
-          </a:pPr>
-          <a:r>
-            <a:rPr lang="en-US" sz="1000" kern="1200">
-              <a:latin typeface="Times New Roman" panose="02020603050405020304" pitchFamily="18" charset="0"/>
-              <a:cs typeface="Times New Roman" panose="02020603050405020304" pitchFamily="18" charset="0"/>
-            </a:rPr>
-            <a:t>Hiện trạng của thiết bị</a:t>
-          </a:r>
-        </a:p>
-      </dsp:txBody>
-      <dsp:txXfrm>
-        <a:off x="6089968" y="2275393"/>
-        <a:ext cx="542994" cy="555879"/>
-      </dsp:txXfrm>
-    </dsp:sp>
-    <dsp:sp modelId="{AB1DE5E6-68C1-49CB-BD9A-EF2CA3790625}">
-      <dsp:nvSpPr>
-        <dsp:cNvPr id="0" name=""/>
-        <dsp:cNvSpPr/>
-      </dsp:nvSpPr>
-      <dsp:spPr>
-        <a:xfrm>
-          <a:off x="6060593" y="2931071"/>
-          <a:ext cx="601744" cy="614629"/>
-        </a:xfrm>
-        <a:prstGeom prst="roundRect">
-          <a:avLst/>
-        </a:prstGeom>
-        <a:solidFill>
-          <a:schemeClr val="accent3"/>
-        </a:solidFill>
-        <a:ln w="12700" cap="flat" cmpd="sng" algn="ctr">
-          <a:solidFill>
-            <a:schemeClr val="lt1">
-              <a:hueOff val="0"/>
-              <a:satOff val="0"/>
-              <a:lumOff val="0"/>
-              <a:alphaOff val="0"/>
-            </a:schemeClr>
-          </a:solidFill>
-          <a:prstDash val="solid"/>
-          <a:miter lim="800000"/>
-        </a:ln>
-        <a:effectLst/>
-      </dsp:spPr>
-      <dsp:style>
-        <a:lnRef idx="2">
-          <a:scrgbClr r="0" g="0" b="0"/>
-        </a:lnRef>
-        <a:fillRef idx="1">
-          <a:scrgbClr r="0" g="0" b="0"/>
-        </a:fillRef>
-        <a:effectRef idx="0">
-          <a:scrgbClr r="0" g="0" b="0"/>
-        </a:effectRef>
-        <a:fontRef idx="minor">
-          <a:schemeClr val="lt1"/>
-        </a:fontRef>
-      </dsp:style>
-      <dsp:txBody>
-        <a:bodyPr spcFirstLastPara="0" vert="horz" wrap="square" lIns="6350" tIns="6350" rIns="6350" bIns="6350" numCol="1" spcCol="1270" anchor="ctr" anchorCtr="0">
-          <a:noAutofit/>
-        </a:bodyPr>
-        <a:lstStyle/>
-        <a:p>
-          <a:pPr lvl="0" algn="ctr" defTabSz="444500">
-            <a:lnSpc>
-              <a:spcPct val="90000"/>
-            </a:lnSpc>
-            <a:spcBef>
-              <a:spcPct val="0"/>
-            </a:spcBef>
-            <a:spcAft>
-              <a:spcPct val="35000"/>
-            </a:spcAft>
-          </a:pPr>
-          <a:r>
-            <a:rPr lang="en-US" sz="1000" kern="1200">
-              <a:latin typeface="Times New Roman" panose="02020603050405020304" pitchFamily="18" charset="0"/>
-              <a:cs typeface="Times New Roman" panose="02020603050405020304" pitchFamily="18" charset="0"/>
-            </a:rPr>
-            <a:t>Lịch sử hoạt động của thiết bị</a:t>
-          </a:r>
-        </a:p>
-      </dsp:txBody>
-      <dsp:txXfrm>
-        <a:off x="6089968" y="2960446"/>
-        <a:ext cx="542994" cy="555879"/>
-      </dsp:txXfrm>
-    </dsp:sp>
-    <dsp:sp modelId="{0EA73DD3-C462-46C0-ACD1-70216C76AF6D}">
-      <dsp:nvSpPr>
-        <dsp:cNvPr id="0" name=""/>
-        <dsp:cNvSpPr/>
-      </dsp:nvSpPr>
-      <dsp:spPr>
-        <a:xfrm>
-          <a:off x="6788653" y="1163860"/>
-          <a:ext cx="697410" cy="404729"/>
-        </a:xfrm>
-        <a:prstGeom prst="roundRect">
-          <a:avLst/>
-        </a:prstGeom>
-        <a:solidFill>
-          <a:schemeClr val="accent1">
-            <a:hueOff val="0"/>
-            <a:satOff val="0"/>
-            <a:lumOff val="0"/>
-            <a:alphaOff val="0"/>
-          </a:schemeClr>
-        </a:solidFill>
-        <a:ln w="12700" cap="flat" cmpd="sng" algn="ctr">
-          <a:solidFill>
-            <a:schemeClr val="lt1">
-              <a:hueOff val="0"/>
-              <a:satOff val="0"/>
-              <a:lumOff val="0"/>
-              <a:alphaOff val="0"/>
-            </a:schemeClr>
-          </a:solidFill>
-          <a:prstDash val="solid"/>
-          <a:miter lim="800000"/>
-        </a:ln>
-        <a:effectLst/>
-      </dsp:spPr>
-      <dsp:style>
-        <a:lnRef idx="2">
-          <a:scrgbClr r="0" g="0" b="0"/>
-        </a:lnRef>
-        <a:fillRef idx="1">
-          <a:scrgbClr r="0" g="0" b="0"/>
-        </a:fillRef>
-        <a:effectRef idx="0">
-          <a:scrgbClr r="0" g="0" b="0"/>
-        </a:effectRef>
-        <a:fontRef idx="minor">
-          <a:schemeClr val="lt1"/>
-        </a:fontRef>
-      </dsp:style>
-      <dsp:txBody>
-        <a:bodyPr spcFirstLastPara="0" vert="horz" wrap="square" lIns="6350" tIns="6350" rIns="6350" bIns="6350" numCol="1" spcCol="1270" anchor="ctr" anchorCtr="0">
-          <a:noAutofit/>
-        </a:bodyPr>
-        <a:lstStyle/>
-        <a:p>
-          <a:pPr lvl="0" algn="ctr" defTabSz="444500">
-            <a:lnSpc>
-              <a:spcPct val="90000"/>
-            </a:lnSpc>
-            <a:spcBef>
-              <a:spcPct val="0"/>
-            </a:spcBef>
-            <a:spcAft>
-              <a:spcPct val="35000"/>
-            </a:spcAft>
-          </a:pPr>
-          <a:r>
-            <a:rPr lang="en-US" sz="1000" kern="1200">
-              <a:latin typeface="Times New Roman" panose="02020603050405020304" pitchFamily="18" charset="0"/>
-              <a:cs typeface="Times New Roman" panose="02020603050405020304" pitchFamily="18" charset="0"/>
-            </a:rPr>
-            <a:t>Thành phần</a:t>
-          </a:r>
-        </a:p>
-      </dsp:txBody>
-      <dsp:txXfrm>
-        <a:off x="6808410" y="1183617"/>
-        <a:ext cx="657896" cy="365215"/>
-      </dsp:txXfrm>
-    </dsp:sp>
-    <dsp:sp modelId="{19035FA5-64F8-4C84-BDEA-318BCCAF2703}">
-      <dsp:nvSpPr>
-        <dsp:cNvPr id="0" name=""/>
-        <dsp:cNvSpPr/>
-      </dsp:nvSpPr>
-      <dsp:spPr>
-        <a:xfrm>
-          <a:off x="7227543" y="1660589"/>
-          <a:ext cx="968404" cy="404729"/>
-        </a:xfrm>
-        <a:prstGeom prst="roundRect">
-          <a:avLst/>
-        </a:prstGeom>
-        <a:solidFill>
-          <a:schemeClr val="accent1">
-            <a:hueOff val="0"/>
-            <a:satOff val="0"/>
-            <a:lumOff val="0"/>
-            <a:alphaOff val="0"/>
-          </a:schemeClr>
-        </a:solidFill>
-        <a:ln w="12700" cap="flat" cmpd="sng" algn="ctr">
-          <a:solidFill>
-            <a:schemeClr val="lt1">
-              <a:hueOff val="0"/>
-              <a:satOff val="0"/>
-              <a:lumOff val="0"/>
-              <a:alphaOff val="0"/>
-            </a:schemeClr>
-          </a:solidFill>
-          <a:prstDash val="solid"/>
-          <a:miter lim="800000"/>
-        </a:ln>
-        <a:effectLst/>
-      </dsp:spPr>
-      <dsp:style>
-        <a:lnRef idx="2">
-          <a:scrgbClr r="0" g="0" b="0"/>
-        </a:lnRef>
-        <a:fillRef idx="1">
-          <a:scrgbClr r="0" g="0" b="0"/>
-        </a:fillRef>
-        <a:effectRef idx="0">
-          <a:scrgbClr r="0" g="0" b="0"/>
-        </a:effectRef>
-        <a:fontRef idx="minor">
-          <a:schemeClr val="lt1"/>
-        </a:fontRef>
-      </dsp:style>
-      <dsp:txBody>
-        <a:bodyPr spcFirstLastPara="0" vert="horz" wrap="square" lIns="6350" tIns="6350" rIns="6350" bIns="6350" numCol="1" spcCol="1270" anchor="ctr" anchorCtr="0">
-          <a:noAutofit/>
-        </a:bodyPr>
-        <a:lstStyle/>
-        <a:p>
-          <a:pPr lvl="0" algn="ctr" defTabSz="444500">
-            <a:lnSpc>
-              <a:spcPct val="90000"/>
-            </a:lnSpc>
-            <a:spcBef>
-              <a:spcPct val="0"/>
-            </a:spcBef>
-            <a:spcAft>
-              <a:spcPct val="35000"/>
-            </a:spcAft>
-          </a:pPr>
-          <a:r>
-            <a:rPr lang="en-US" sz="1000" kern="1200">
-              <a:latin typeface="Times New Roman" panose="02020603050405020304" pitchFamily="18" charset="0"/>
-              <a:cs typeface="Times New Roman" panose="02020603050405020304" pitchFamily="18" charset="0"/>
-            </a:rPr>
-            <a:t>Webservice</a:t>
-          </a:r>
-        </a:p>
-      </dsp:txBody>
-      <dsp:txXfrm>
-        <a:off x="7247300" y="1680346"/>
-        <a:ext cx="928890" cy="365215"/>
-      </dsp:txXfrm>
-    </dsp:sp>
-    <dsp:sp modelId="{49E6216F-1324-416C-BC76-15B2C24A43B9}">
-      <dsp:nvSpPr>
-        <dsp:cNvPr id="0" name=""/>
-        <dsp:cNvSpPr/>
-      </dsp:nvSpPr>
-      <dsp:spPr>
-        <a:xfrm>
-          <a:off x="7227543" y="2135742"/>
-          <a:ext cx="971919" cy="404729"/>
-        </a:xfrm>
-        <a:prstGeom prst="roundRect">
-          <a:avLst/>
-        </a:prstGeom>
-        <a:solidFill>
-          <a:schemeClr val="accent1">
-            <a:hueOff val="0"/>
-            <a:satOff val="0"/>
-            <a:lumOff val="0"/>
-            <a:alphaOff val="0"/>
-          </a:schemeClr>
-        </a:solidFill>
-        <a:ln w="12700" cap="flat" cmpd="sng" algn="ctr">
-          <a:solidFill>
-            <a:schemeClr val="lt1">
-              <a:hueOff val="0"/>
-              <a:satOff val="0"/>
-              <a:lumOff val="0"/>
-              <a:alphaOff val="0"/>
-            </a:schemeClr>
-          </a:solidFill>
-          <a:prstDash val="solid"/>
-          <a:miter lim="800000"/>
-        </a:ln>
-        <a:effectLst/>
-      </dsp:spPr>
-      <dsp:style>
-        <a:lnRef idx="2">
-          <a:scrgbClr r="0" g="0" b="0"/>
-        </a:lnRef>
-        <a:fillRef idx="1">
-          <a:scrgbClr r="0" g="0" b="0"/>
-        </a:fillRef>
-        <a:effectRef idx="0">
-          <a:scrgbClr r="0" g="0" b="0"/>
-        </a:effectRef>
-        <a:fontRef idx="minor">
-          <a:schemeClr val="lt1"/>
-        </a:fontRef>
-      </dsp:style>
-      <dsp:txBody>
-        <a:bodyPr spcFirstLastPara="0" vert="horz" wrap="square" lIns="6350" tIns="6350" rIns="6350" bIns="6350" numCol="1" spcCol="1270" anchor="ctr" anchorCtr="0">
-          <a:noAutofit/>
-        </a:bodyPr>
-        <a:lstStyle/>
-        <a:p>
-          <a:pPr lvl="0" algn="ctr" defTabSz="444500">
-            <a:lnSpc>
-              <a:spcPct val="90000"/>
-            </a:lnSpc>
-            <a:spcBef>
-              <a:spcPct val="0"/>
-            </a:spcBef>
-            <a:spcAft>
-              <a:spcPct val="35000"/>
-            </a:spcAft>
-          </a:pPr>
-          <a:r>
-            <a:rPr lang="en-US" sz="1000" kern="1200">
-              <a:latin typeface="Times New Roman" panose="02020603050405020304" pitchFamily="18" charset="0"/>
-              <a:cs typeface="Times New Roman" panose="02020603050405020304" pitchFamily="18" charset="0"/>
-            </a:rPr>
-            <a:t>client</a:t>
-          </a:r>
-        </a:p>
-      </dsp:txBody>
-      <dsp:txXfrm>
-        <a:off x="7247300" y="2155499"/>
-        <a:ext cx="932405" cy="365215"/>
-      </dsp:txXfrm>
-    </dsp:sp>
   </dsp:spTree>
 </dsp:drawing>
 </file>
@@ -11979,18 +9190,94 @@
           <a:bodyPr/>
           <a:lstStyle/>
           <a:p>
+            <a:r>
+              <a:rPr lang="en-US" dirty="0" err="1" smtClean="0"/>
+              <a:t>Màn</a:t>
+            </a:r>
+            <a:r>
+              <a:rPr lang="en-US" dirty="0" smtClean="0"/>
+              <a:t> </a:t>
+            </a:r>
+            <a:r>
+              <a:rPr lang="en-US" dirty="0" err="1" smtClean="0"/>
+              <a:t>đăng</a:t>
+            </a:r>
+            <a:r>
+              <a:rPr lang="en-US" dirty="0" smtClean="0"/>
+              <a:t> </a:t>
+            </a:r>
+            <a:r>
+              <a:rPr lang="en-US" dirty="0" err="1" smtClean="0"/>
+              <a:t>nhập</a:t>
+            </a:r>
             <a:endParaRPr lang="en-US" dirty="0"/>
           </a:p>
         </p:txBody>
       </p:sp>
+      <p:pic>
+        <p:nvPicPr>
+          <p:cNvPr id="4" name="Content Placeholder 3"/>
+          <p:cNvPicPr>
+            <a:picLocks noGrp="1" noChangeAspect="1"/>
+          </p:cNvPicPr>
+          <p:nvPr>
+            <p:ph idx="1"/>
+          </p:nvPr>
+        </p:nvPicPr>
+        <p:blipFill>
+          <a:blip r:embed="rId2"/>
+          <a:stretch>
+            <a:fillRect/>
+          </a:stretch>
+        </p:blipFill>
+        <p:spPr>
+          <a:xfrm>
+            <a:off x="2069198" y="1825625"/>
+            <a:ext cx="8053604" cy="4351338"/>
+          </a:xfrm>
+          <a:prstGeom prst="rect">
+            <a:avLst/>
+          </a:prstGeom>
+        </p:spPr>
+      </p:pic>
+    </p:spTree>
+    <p:extLst>
+      <p:ext uri="{BB962C8B-B14F-4D97-AF65-F5344CB8AC3E}">
+        <p14:creationId xmlns:p14="http://schemas.microsoft.com/office/powerpoint/2010/main" val="1631646197"/>
+      </p:ext>
+    </p:extLst>
+  </p:cSld>
+  <p:clrMapOvr>
+    <a:masterClrMapping/>
+  </p:clrMapOvr>
+</p:sld>
+</file>
+
+<file path=ppt/slides/slide14.xml><?xml version="1.0" encoding="utf-8"?>
+<p:sld xmlns:a="http://schemas.openxmlformats.org/drawingml/2006/main" xmlns:r="http://schemas.openxmlformats.org/officeDocument/2006/relationships" xmlns:p="http://schemas.openxmlformats.org/presentationml/2006/main">
+  <p:cSld>
+    <p:spTree>
+      <p:nvGrpSpPr>
+        <p:cNvPr id="1" name=""/>
+        <p:cNvGrpSpPr/>
+        <p:nvPr/>
+      </p:nvGrpSpPr>
+      <p:grpSpPr>
+        <a:xfrm>
+          <a:off x="0" y="0"/>
+          <a:ext cx="0" cy="0"/>
+          <a:chOff x="0" y="0"/>
+          <a:chExt cx="0" cy="0"/>
+        </a:xfrm>
+      </p:grpSpPr>
       <p:sp>
         <p:nvSpPr>
-          <p:cNvPr id="3" name="Content Placeholder 2"/>
+          <p:cNvPr id="2" name="Title 1"/>
           <p:cNvSpPr>
             <a:spLocks noGrp="1"/>
           </p:cNvSpPr>
           <p:nvPr>
-            <p:ph idx="1"/>
+            <p:ph type="title"/>
           </p:nvPr>
         </p:nvSpPr>
         <p:spPr/>
@@ -11998,14 +9285,64 @@
           <a:bodyPr/>
           <a:lstStyle/>
           <a:p>
+            <a:r>
+              <a:rPr lang="en-US" dirty="0" err="1" smtClean="0"/>
+              <a:t>Màn</a:t>
+            </a:r>
+            <a:r>
+              <a:rPr lang="en-US" dirty="0" smtClean="0"/>
+              <a:t> </a:t>
+            </a:r>
+            <a:r>
+              <a:rPr lang="en-US" dirty="0" err="1" smtClean="0"/>
+              <a:t>phân</a:t>
+            </a:r>
+            <a:r>
+              <a:rPr lang="en-US" dirty="0" smtClean="0"/>
+              <a:t> </a:t>
+            </a:r>
+            <a:r>
+              <a:rPr lang="en-US" dirty="0" err="1" smtClean="0"/>
+              <a:t>quyền</a:t>
+            </a:r>
+            <a:r>
+              <a:rPr lang="en-US" dirty="0" smtClean="0"/>
+              <a:t> user</a:t>
+            </a:r>
             <a:endParaRPr lang="en-US" dirty="0"/>
           </a:p>
         </p:txBody>
       </p:sp>
+      <p:pic>
+        <p:nvPicPr>
+          <p:cNvPr id="6" name="Content Placeholder 5"/>
+          <p:cNvPicPr>
+            <a:picLocks noGrp="1" noChangeAspect="1"/>
+          </p:cNvPicPr>
+          <p:nvPr>
+            <p:ph idx="1"/>
+          </p:nvPr>
+        </p:nvPicPr>
+        <p:blipFill>
+          <a:blip r:embed="rId2"/>
+          <a:stretch>
+            <a:fillRect/>
+          </a:stretch>
+        </p:blipFill>
+        <p:spPr>
+          <a:xfrm>
+            <a:off x="1563356" y="1825625"/>
+            <a:ext cx="9065287" cy="4351338"/>
+          </a:xfrm>
+          <a:prstGeom prst="rect">
+            <a:avLst/>
+          </a:prstGeom>
+        </p:spPr>
+      </p:pic>
     </p:spTree>
     <p:extLst>
       <p:ext uri="{BB962C8B-B14F-4D97-AF65-F5344CB8AC3E}">
-        <p14:creationId xmlns:p14="http://schemas.microsoft.com/office/powerpoint/2010/main" val="1631646197"/>
+        <p14:creationId xmlns:p14="http://schemas.microsoft.com/office/powerpoint/2010/main" val="211499566"/>
       </p:ext>
     </p:extLst>
   </p:cSld>
